--- a/pintos_ppt.pptx
+++ b/pintos_ppt.pptx
@@ -13,6 +13,7 @@
     <p:sldId id="264" r:id="rId7"/>
     <p:sldId id="260" r:id="rId8"/>
     <p:sldId id="263" r:id="rId9"/>
+    <p:sldId id="265" r:id="rId10"/>
   </p:sldIdLst>
   <p:sldSz cx="12192000" cy="6858000"/>
   <p:notesSz cx="6858000" cy="9144000"/>
@@ -117,6 +118,118 @@
     </p:ext>
   </p:extLst>
 </p:presentation>
+</file>
+
+<file path=ppt/ink/ink1.xml><?xml version="1.0" encoding="utf-8"?>
+<inkml:ink xmlns:inkml="http://www.w3.org/2003/InkML">
+  <inkml:definitions>
+    <inkml:context xml:id="ctx0">
+      <inkml:inkSource xml:id="inkSrc0">
+        <inkml:traceFormat>
+          <inkml:channel name="X" type="integer" min="-2.14748E9" max="2.14748E9" units="cm"/>
+          <inkml:channel name="Y" type="integer" min="-2.14748E9" max="2.14748E9" units="cm"/>
+          <inkml:channel name="F" type="integer" max="32767" units="dev"/>
+        </inkml:traceFormat>
+        <inkml:channelProperties>
+          <inkml:channelProperty channel="X" name="resolution" value="1000" units="1/cm"/>
+          <inkml:channelProperty channel="Y" name="resolution" value="1000" units="1/cm"/>
+          <inkml:channelProperty channel="F" name="resolution" value="0" units="1/dev"/>
+        </inkml:channelProperties>
+      </inkml:inkSource>
+      <inkml:timestamp xml:id="ts0" timeString="2023-07-22T10:22:18.095"/>
+    </inkml:context>
+    <inkml:brush xml:id="br0">
+      <inkml:brushProperty name="width" value="0.05" units="cm"/>
+      <inkml:brushProperty name="height" value="0.05" units="cm"/>
+      <inkml:brushProperty name="color" value="#30321C"/>
+    </inkml:brush>
+  </inkml:definitions>
+  <inkml:trace contextRef="#ctx0" brushRef="#br0">244 0 18006,'0'16'0,"0"21"2968,0 17-2968,0 1 0,0 3 0,0 29 0,0 11 0,0-49 1124,0-11-1124,0-1 589,0-9-589,0-3 1888,0-8-1888,0 0 0,0-1 0,0 1 0,0 0 0,0 0 0,0 0 0,0 0 0,0 10 0,0 2 0,0 0 0,0-3 0,0 1 0,0-8 0,0 8 0,0-10 0,0 0 0,-7-7 0,-3-3 0,-6-7 0,-2 0 0,1-7 0,-2-12 0,-8-11 0,14-19 0,-12 8 0,13-19 0,1 19 0,-7-19 0,7 18 0,-1-7 0,3 20 0,1-7 0,6 17 0,-7-8 0,9 18 0,0 2 0</inkml:trace>
+</inkml:ink>
+</file>
+
+<file path=ppt/ink/ink2.xml><?xml version="1.0" encoding="utf-8"?>
+<inkml:ink xmlns:inkml="http://www.w3.org/2003/InkML">
+  <inkml:definitions>
+    <inkml:context xml:id="ctx0">
+      <inkml:inkSource xml:id="inkSrc0">
+        <inkml:traceFormat>
+          <inkml:channel name="X" type="integer" min="-2.14748E9" max="2.14748E9" units="cm"/>
+          <inkml:channel name="Y" type="integer" min="-2.14748E9" max="2.14748E9" units="cm"/>
+          <inkml:channel name="F" type="integer" max="32767" units="dev"/>
+        </inkml:traceFormat>
+        <inkml:channelProperties>
+          <inkml:channelProperty channel="X" name="resolution" value="1000" units="1/cm"/>
+          <inkml:channelProperty channel="Y" name="resolution" value="1000" units="1/cm"/>
+          <inkml:channelProperty channel="F" name="resolution" value="0" units="1/dev"/>
+        </inkml:channelProperties>
+      </inkml:inkSource>
+      <inkml:timestamp xml:id="ts0" timeString="2023-07-22T10:22:18.315"/>
+    </inkml:context>
+    <inkml:brush xml:id="br0">
+      <inkml:brushProperty name="width" value="0.05" units="cm"/>
+      <inkml:brushProperty name="height" value="0.05" units="cm"/>
+      <inkml:brushProperty name="color" value="#30321C"/>
+    </inkml:brush>
+  </inkml:definitions>
+  <inkml:trace contextRef="#ctx0" brushRef="#br0">0 1 24575,'0'0'0</inkml:trace>
+</inkml:ink>
+</file>
+
+<file path=ppt/ink/ink3.xml><?xml version="1.0" encoding="utf-8"?>
+<inkml:ink xmlns:inkml="http://www.w3.org/2003/InkML">
+  <inkml:definitions>
+    <inkml:context xml:id="ctx0">
+      <inkml:inkSource xml:id="inkSrc0">
+        <inkml:traceFormat>
+          <inkml:channel name="X" type="integer" min="-2.14748E9" max="2.14748E9" units="cm"/>
+          <inkml:channel name="Y" type="integer" min="-2.14748E9" max="2.14748E9" units="cm"/>
+          <inkml:channel name="F" type="integer" max="32767" units="dev"/>
+        </inkml:traceFormat>
+        <inkml:channelProperties>
+          <inkml:channelProperty channel="X" name="resolution" value="1000" units="1/cm"/>
+          <inkml:channelProperty channel="Y" name="resolution" value="1000" units="1/cm"/>
+          <inkml:channelProperty channel="F" name="resolution" value="0" units="1/dev"/>
+        </inkml:channelProperties>
+      </inkml:inkSource>
+      <inkml:timestamp xml:id="ts0" timeString="2023-07-22T10:22:21.108"/>
+    </inkml:context>
+    <inkml:brush xml:id="br0">
+      <inkml:brushProperty name="width" value="0.05" units="cm"/>
+      <inkml:brushProperty name="height" value="0.05" units="cm"/>
+      <inkml:brushProperty name="color" value="#30321C"/>
+    </inkml:brush>
+  </inkml:definitions>
+  <inkml:trace contextRef="#ctx0" brushRef="#br0">78 133 24575,'0'64'0,"0"-15"0,0 0 0,0 4 0,0 40 0,0 2 0,0-2 0,10-5 0,-7-23 0,16 11 0,-17-24 0,8-13 0,-10-12 0,0-10 0,0 0 0,7 1 0,-5-1 0,6 0 0,-8 0 0,0 0 0,0 1 0,8-1 0,-6 0 0,5 0 0,-7 0 0,7 0 0,-5-1 0,5 1 0,1-8 0,-6 5 0,6-19 0,-18-46 0,8 2 0,-6-1 0,-4-3 0,-11-26 0,-1 0 0,-9-9 0,12 33 0,9-18 0,-4 41 0,14-15 0,-6 27 0,0 1 0,6 4 0,-6 6 0,8-8 0,0-9 0,0 6 0,0-16 0,0 7 0,0-9 0,0 9 0,0-7 0,0 16 0,0-16 0,8 16 0,-7-6 0,7 10 0,-1 6 0,2 3 0,7 14 0,-8 35 0,9 3 0,-16 5 0,0 3 0,18 29-242,-17-29 1,-1-1 241,18 27 0,-16 9 0,6-33 0,0 17 0,-7-40 0,8 5 0,-10-20 0,0 1 483,0-1-483,7-8 0,1-1 0,9-8 0,-1-15 0,4-30 0,0-21 0,-7-4 0,-2-6-782,-4 16 1,-2 0 781,1-22 0,-1 0 0,1 26 0,-2 3-1,-3-1 1,1 2 0,8-16 0,-10-4 0,0 40 0,0-6 0,0 50 1563,0 27-1563,0 33 0,0 19 0,-10 1 0,-3-1 0,0 0-443,-6-13 443,6 10 0,1-22 0,-7 9 0,8-23 0,-1-3 0,-5-11 0,15 0 0,-15 1 0,14-11 444,-5 8-444,0-16 0,6 6 0,-6-9 0,8 1 0,0-1 0,-7 0 0,5 0 0,-6 1 0,8 8 0,0 3 0,0 0 0,-8-3 0,6 1 0,-6-8 0,8 8 0,0-10 0,0 0 0,0-15 0,0-21 0,0-22 0,9-8 0,20-28 0,-5 20 0,15-22 0,-19 26 0,-8 4 0,-4 20 0,-8-7 0,0 17 0,0-8 0,0 25 0,0 4 0,0 24 0,0 3 0,0 37 0,-9-21 0,-2 32 0,-19-26 0,-1 18 0,-1-16 0,5-7 0,9-19 0,8-10 0,-5 0 0,5-7 0,-7-3 0,7-7 0,2 0 0</inkml:trace>
+</inkml:ink>
+</file>
+
+<file path=ppt/ink/ink4.xml><?xml version="1.0" encoding="utf-8"?>
+<inkml:ink xmlns:inkml="http://www.w3.org/2003/InkML">
+  <inkml:definitions>
+    <inkml:context xml:id="ctx0">
+      <inkml:inkSource xml:id="inkSrc0">
+        <inkml:traceFormat>
+          <inkml:channel name="X" type="integer" min="-2.14748E9" max="2.14748E9" units="cm"/>
+          <inkml:channel name="Y" type="integer" min="-2.14748E9" max="2.14748E9" units="cm"/>
+          <inkml:channel name="F" type="integer" max="32767" units="dev"/>
+        </inkml:traceFormat>
+        <inkml:channelProperties>
+          <inkml:channelProperty channel="X" name="resolution" value="1000" units="1/cm"/>
+          <inkml:channelProperty channel="Y" name="resolution" value="1000" units="1/cm"/>
+          <inkml:channelProperty channel="F" name="resolution" value="0" units="1/dev"/>
+        </inkml:channelProperties>
+      </inkml:inkSource>
+      <inkml:timestamp xml:id="ts0" timeString="2023-07-22T10:22:24.144"/>
+    </inkml:context>
+    <inkml:brush xml:id="br0">
+      <inkml:brushProperty name="width" value="0.05" units="cm"/>
+      <inkml:brushProperty name="height" value="0.05" units="cm"/>
+      <inkml:brushProperty name="color" value="#30321C"/>
+    </inkml:brush>
+  </inkml:definitions>
+  <inkml:trace contextRef="#ctx0" brushRef="#br0">34 1785 24575,'0'-16'0,"7"7"0,2 2 0,7 7 0,1 0 0,-1 0 0,1 0 0,1 0 0,-1 0 0,0 0 0,10 0 0,-8 0 0,8 0 0,-1 9 0,-6-7 0,6 14 0,-9-14 0,-8 13 0,-1-21 0,-8 4 0,0-24 0,0-3 0,0 0 0,0-7 0,0 8 0,0-1 0,-7 12 0,-3 9 0,-7 8 0,0 0 0,-1 0 0,1 0 0,-10 9 0,7 0 0,1 10 0,4-2 0,5 0 0,0-22 0,-8-31 0,16-29 0,-4 14 0,1-4 0,5 1 0,0-1-238,0 0 0,0 1 238,0 0 0,0 2 0,0-27 0,0 15 0,0 14 0,0 21 0,0 24 0,0 29 0,0 25 0,0 14 0,0-1 0,0 14 0,0-22 476,0 19-476,0-32 0,0 8 0,0-20 0,0-3 0,0-9 0,0 1 0,0-2 0,0 1 0,0 9 0,0 3 0,0 0 0,0 22 0,0-28 0,7 11 0,-5-33 0,12-11 0,-12-7 0,6-1 0,0 9 0,1 1 0,8 8 0,-8 17 0,8 15 0,-15 20 0,16-1 0,-16-1 0,7-12 0,-9-10 0,0-1 0,0-10 0,0-38 0,0-20 0,0-19 0,0-9-789,0 3 1,0-2 788,0-11 0,0-3-948,0-5 1,0 1 947,0 12 0,0 0 0,0-6 0,0-1 0,0 10 0,0 3 0,-5 12 0,-1 3 0,4-40-1247,-17 28 1247,17 16 0,-15 10 0,15 11 1314,-7 1-1314,9 1 1903,0-3-1903,0-10 1502,0-10-1502,0-3 0,0 0 0,0-8 0,0 28 0,0-15 0,0 27 0,0-6 0,0 23 0,0 14 0,0 17 0,-9 21-3392,2 1 0,1 5 3392,0-4 0,0 1 0,0 16 0,2-1-1074,4 26 1074,0-18-700,-10-12 700,8-11-126,-7-12 126,9-14 5842,0-9-5842,0-29 1501,0-13-1501,0-32 1124,0-19-1124,0 10 0,0-9 0,0 12 0,0 11 217,0 2-217,8 12 0,-6 9 0,14 10 0,-15 27 0,6 37 0,-7 21 0,0 25 0,0-13 0,0-2 0,0-14 0,0-19 0,0-6 0,0-20 0,0 1 0,0-23 0,0-19 0,0-26 0,0-2 0,0 3 0,0 10 0,0 10 0,0 3 0,0 8 0,0 78 0,0-22 0,0 18 0,0 5 0,0 5 0,0-2 0,0-15 0,0-20 0,0-2 0,0-10 0,0 0 0,0 0 0,0 0 0,-8 9 0,6 2 0,-16 21 0,15 3 0,-16 23 0,16-9 0,-16 10 0,16-14 0,-16 1 0,17-11 0,-7-13 0,9-12 0,0-10 0,-8 0 0,6 1 0,-6-2 0,8 1 0,0 0 0,-8 0 0,6 10 0,-14 1 0,14 11 0,-7-11 0,9-1 0,0-10 0,0 0 0,0 1 0,0-1 0,0-8 0,0-1 0</inkml:trace>
+</inkml:ink>
 </file>
 
 <file path=ppt/slideLayouts/slideLayout1.xml><?xml version="1.0" encoding="utf-8"?>
@@ -6113,82 +6226,6 @@
           <a:chExt cx="0" cy="0"/>
         </a:xfrm>
       </p:grpSpPr>
-      <p:sp useBgFill="1">
-        <p:nvSpPr>
-          <p:cNvPr id="35" name="Rectangle 34">
-            <a:extLst>
-              <a:ext uri="{FF2B5EF4-FFF2-40B4-BE49-F238E27FC236}">
-                <a16:creationId xmlns:a16="http://schemas.microsoft.com/office/drawing/2014/main" id="{EEE96A74-B62B-4642-AB22-7776A5F48CE7}"/>
-              </a:ext>
-              <a:ext uri="{C183D7F6-B498-43B3-948B-1728B52AA6E4}">
-                <adec:decorative xmlns:adec="http://schemas.microsoft.com/office/drawing/2017/decorative" val="1"/>
-              </a:ext>
-            </a:extLst>
-          </p:cNvPr>
-          <p:cNvSpPr>
-            <a:spLocks noGrp="1" noRot="1" noChangeAspect="1" noMove="1" noResize="1" noEditPoints="1" noAdjustHandles="1" noChangeArrowheads="1" noChangeShapeType="1" noTextEdit="1"/>
-          </p:cNvSpPr>
-          <p:nvPr>
-            <p:extLst>
-              <p:ext uri="{386F3935-93C4-4BCD-93E2-E3B085C9AB24}">
-                <p16:designElem xmlns:p16="http://schemas.microsoft.com/office/powerpoint/2015/main" val="1"/>
-              </p:ext>
-            </p:extLst>
-          </p:nvPr>
-        </p:nvSpPr>
-        <p:spPr>
-          <a:xfrm>
-            <a:off x="0" y="0"/>
-            <a:ext cx="12192000" cy="6858000"/>
-          </a:xfrm>
-          <a:prstGeom prst="rect">
-            <a:avLst/>
-          </a:prstGeom>
-          <a:ln w="12700" cap="flat" cmpd="sng" algn="ctr">
-            <a:noFill/>
-            <a:prstDash val="solid"/>
-            <a:miter lim="800000"/>
-          </a:ln>
-          <a:effectLst/>
-          <a:extLst>
-            <a:ext uri="{91240B29-F687-4F45-9708-019B960494DF}">
-              <a14:hiddenLine xmlns:a14="http://schemas.microsoft.com/office/drawing/2010/main" w="12700" cap="flat" cmpd="sng" algn="ctr">
-                <a:solidFill>
-                  <a:schemeClr val="accent1">
-                    <a:shade val="50000"/>
-                  </a:schemeClr>
-                </a:solidFill>
-                <a:prstDash val="solid"/>
-                <a:miter lim="800000"/>
-              </a14:hiddenLine>
-            </a:ext>
-          </a:extLst>
-        </p:spPr>
-        <p:style>
-          <a:lnRef idx="2">
-            <a:schemeClr val="accent1">
-              <a:shade val="50000"/>
-            </a:schemeClr>
-          </a:lnRef>
-          <a:fillRef idx="1">
-            <a:schemeClr val="accent1"/>
-          </a:fillRef>
-          <a:effectRef idx="0">
-            <a:schemeClr val="accent1"/>
-          </a:effectRef>
-          <a:fontRef idx="minor">
-            <a:schemeClr val="lt1"/>
-          </a:fontRef>
-        </p:style>
-        <p:txBody>
-          <a:bodyPr rtlCol="0" anchor="ctr"/>
-          <a:lstStyle/>
-          <a:p>
-            <a:pPr algn="ctr"/>
-            <a:endParaRPr lang="en-US"/>
-          </a:p>
-        </p:txBody>
-      </p:sp>
       <p:sp>
         <p:nvSpPr>
           <p:cNvPr id="2" name="제목 1">
@@ -6207,27 +6244,31 @@
         </p:nvSpPr>
         <p:spPr>
           <a:xfrm>
-            <a:off x="1080000" y="1084263"/>
-            <a:ext cx="4457200" cy="4689475"/>
+            <a:off x="3308350" y="1011237"/>
+            <a:ext cx="5575300" cy="860400"/>
           </a:xfrm>
         </p:spPr>
         <p:txBody>
-          <a:bodyPr anchor="ctr">
+          <a:bodyPr anchor="b">
             <a:normAutofit/>
           </a:bodyPr>
           <a:lstStyle/>
           <a:p>
             <a:pPr algn="ctr"/>
-            <a:endParaRPr kumimoji="1" lang="ko-GB" altLang="en-US" dirty="0"/>
+            <a:r>
+              <a:rPr kumimoji="1" lang="en-GB" altLang="ko-GB" sz="4000" dirty="0"/>
+              <a:t>Overview</a:t>
+            </a:r>
+            <a:endParaRPr kumimoji="1" lang="ko-GB" altLang="en-US" sz="4000" dirty="0"/>
           </a:p>
         </p:txBody>
       </p:sp>
       <p:cxnSp>
         <p:nvCxnSpPr>
-          <p:cNvPr id="37" name="Straight Connector 36">
-            <a:extLst>
-              <a:ext uri="{FF2B5EF4-FFF2-40B4-BE49-F238E27FC236}">
-                <a16:creationId xmlns:a16="http://schemas.microsoft.com/office/drawing/2014/main" id="{3A513CAD-9784-4D35-BAF9-1F7DDD697BDB}"/>
+          <p:cNvPr id="42" name="Straight Connector 41">
+            <a:extLst>
+              <a:ext uri="{FF2B5EF4-FFF2-40B4-BE49-F238E27FC236}">
+                <a16:creationId xmlns:a16="http://schemas.microsoft.com/office/drawing/2014/main" id="{77C6DF49-CBE3-4038-AC78-35DE4FD7CE8E}"/>
               </a:ext>
               <a:ext uri="{C183D7F6-B498-43B3-948B-1728B52AA6E4}">
                 <adec:decorative xmlns:adec="http://schemas.microsoft.com/office/drawing/2017/decorative" val="1"/>
@@ -6246,8 +6287,8 @@
           </p:nvPr>
         </p:nvCxnSpPr>
         <p:spPr>
-          <a:xfrm rot="5400000">
-            <a:off x="5826000" y="3429000"/>
+          <a:xfrm>
+            <a:off x="5826000" y="2310207"/>
             <a:ext cx="540000" cy="0"/>
           </a:xfrm>
           <a:prstGeom prst="line">
@@ -6292,12 +6333,12 @@
         </p:nvSpPr>
         <p:spPr>
           <a:xfrm>
-            <a:off x="6654801" y="1079499"/>
-            <a:ext cx="4451350" cy="4689476"/>
+            <a:off x="2748757" y="2759076"/>
+            <a:ext cx="6694487" cy="3009899"/>
           </a:xfrm>
         </p:spPr>
         <p:txBody>
-          <a:bodyPr anchor="ctr">
+          <a:bodyPr>
             <a:normAutofit/>
           </a:bodyPr>
           <a:lstStyle/>
@@ -6438,8 +6479,8 @@
         </p:nvSpPr>
         <p:spPr>
           <a:xfrm>
-            <a:off x="201334" y="3231983"/>
-            <a:ext cx="3931262" cy="1153026"/>
+            <a:off x="268565" y="2069236"/>
+            <a:ext cx="3793402" cy="1078776"/>
           </a:xfrm>
         </p:spPr>
         <p:txBody>
@@ -7800,6 +7841,72 @@
           </a:p>
         </p:txBody>
       </p:sp>
+      <p:sp>
+        <p:nvSpPr>
+          <p:cNvPr id="4" name="TextBox 3">
+            <a:extLst>
+              <a:ext uri="{FF2B5EF4-FFF2-40B4-BE49-F238E27FC236}">
+                <a16:creationId xmlns:a16="http://schemas.microsoft.com/office/drawing/2014/main" id="{EB8FD854-16FD-C842-B5C6-E1B64A5603B8}"/>
+              </a:ext>
+            </a:extLst>
+          </p:cNvPr>
+          <p:cNvSpPr txBox="1"/>
+          <p:nvPr/>
+        </p:nvSpPr>
+        <p:spPr>
+          <a:xfrm>
+            <a:off x="406425" y="3217696"/>
+            <a:ext cx="3655542" cy="1384995"/>
+          </a:xfrm>
+          <a:prstGeom prst="rect">
+            <a:avLst/>
+          </a:prstGeom>
+          <a:noFill/>
+        </p:spPr>
+        <p:txBody>
+          <a:bodyPr wrap="square" rtlCol="0">
+            <a:spAutoFit/>
+          </a:bodyPr>
+          <a:lstStyle/>
+          <a:p>
+            <a:r>
+              <a:rPr lang="en-GB" altLang="ko-GB" sz="2200" dirty="0">
+                <a:effectLst/>
+                <a:latin typeface="Helvetica Neue" panose="02000503000000020004" pitchFamily="2" charset="0"/>
+              </a:rPr>
+              <a:t>Deletes file from system, utilizes </a:t>
+            </a:r>
+            <a:r>
+              <a:rPr lang="en-GB" altLang="ko-GB" sz="2200" dirty="0" err="1">
+                <a:effectLst/>
+                <a:latin typeface="Helvetica Neue" panose="02000503000000020004" pitchFamily="2" charset="0"/>
+              </a:rPr>
+              <a:t>filesys_remove</a:t>
+            </a:r>
+            <a:r>
+              <a:rPr lang="en-GB" altLang="ko-GB" sz="2200" dirty="0">
+                <a:effectLst/>
+                <a:latin typeface="Helvetica Neue" panose="02000503000000020004" pitchFamily="2" charset="0"/>
+              </a:rPr>
+              <a:t>() within </a:t>
+            </a:r>
+            <a:r>
+              <a:rPr lang="en-GB" altLang="ko-GB" sz="2200" dirty="0" err="1">
+                <a:effectLst/>
+                <a:latin typeface="Helvetica Neue" panose="02000503000000020004" pitchFamily="2" charset="0"/>
+              </a:rPr>
+              <a:t>syscall_handler</a:t>
+            </a:r>
+            <a:endParaRPr lang="en-GB" altLang="ko-GB" sz="2200" dirty="0">
+              <a:effectLst/>
+              <a:latin typeface="Helvetica Neue" panose="02000503000000020004" pitchFamily="2" charset="0"/>
+            </a:endParaRPr>
+          </a:p>
+          <a:p>
+            <a:endParaRPr kumimoji="1" lang="ko-GB" altLang="en-US" dirty="0"/>
+          </a:p>
+        </p:txBody>
+      </p:sp>
     </p:spTree>
     <p:extLst>
       <p:ext uri="{BB962C8B-B14F-4D97-AF65-F5344CB8AC3E}">
@@ -7940,7 +8047,7 @@
         </p:nvSpPr>
         <p:spPr>
           <a:xfrm>
-            <a:off x="387069" y="3173650"/>
+            <a:off x="1219728" y="1799733"/>
             <a:ext cx="2790084" cy="1247325"/>
           </a:xfrm>
         </p:spPr>
@@ -7985,8 +8092,8 @@
         </p:blipFill>
         <p:spPr>
           <a:xfrm>
-            <a:off x="3519588" y="2423395"/>
-            <a:ext cx="8016318" cy="2747833"/>
+            <a:off x="5708318" y="2423396"/>
+            <a:ext cx="5827587" cy="1997580"/>
           </a:xfrm>
         </p:spPr>
       </p:pic>
@@ -8024,6 +8131,69 @@
               <a:t>System call implementation</a:t>
             </a:r>
             <a:endParaRPr kumimoji="1" lang="ko-GB" altLang="en-US" sz="2600" dirty="0"/>
+          </a:p>
+        </p:txBody>
+      </p:sp>
+      <p:sp>
+        <p:nvSpPr>
+          <p:cNvPr id="7" name="TextBox 6">
+            <a:extLst>
+              <a:ext uri="{FF2B5EF4-FFF2-40B4-BE49-F238E27FC236}">
+                <a16:creationId xmlns:a16="http://schemas.microsoft.com/office/drawing/2014/main" id="{67482EF2-1454-8544-8E81-245641806BF7}"/>
+              </a:ext>
+            </a:extLst>
+          </p:cNvPr>
+          <p:cNvSpPr txBox="1"/>
+          <p:nvPr/>
+        </p:nvSpPr>
+        <p:spPr>
+          <a:xfrm>
+            <a:off x="387069" y="3256945"/>
+            <a:ext cx="4714320" cy="1107996"/>
+          </a:xfrm>
+          <a:prstGeom prst="rect">
+            <a:avLst/>
+          </a:prstGeom>
+          <a:noFill/>
+        </p:spPr>
+        <p:txBody>
+          <a:bodyPr wrap="square" rtlCol="0">
+            <a:spAutoFit/>
+          </a:bodyPr>
+          <a:lstStyle/>
+          <a:p>
+            <a:r>
+              <a:rPr lang="en-GB" altLang="ko-GB" sz="2200" dirty="0">
+                <a:effectLst/>
+                <a:latin typeface="Helvetica Neue" panose="02000503000000020004" pitchFamily="2" charset="0"/>
+              </a:rPr>
+              <a:t>Takes command line input, interfaces with </a:t>
+            </a:r>
+            <a:r>
+              <a:rPr lang="en-GB" altLang="ko-GB" sz="2200" dirty="0" err="1">
+                <a:effectLst/>
+                <a:latin typeface="Helvetica Neue" panose="02000503000000020004" pitchFamily="2" charset="0"/>
+              </a:rPr>
+              <a:t>sys_exec</a:t>
+            </a:r>
+            <a:r>
+              <a:rPr lang="en-GB" altLang="ko-GB" sz="2200" dirty="0">
+                <a:effectLst/>
+                <a:latin typeface="Helvetica Neue" panose="02000503000000020004" pitchFamily="2" charset="0"/>
+              </a:rPr>
+              <a:t>, passes input to </a:t>
+            </a:r>
+            <a:r>
+              <a:rPr lang="en-GB" altLang="ko-GB" sz="2200" dirty="0" err="1">
+                <a:effectLst/>
+                <a:latin typeface="Helvetica Neue" panose="02000503000000020004" pitchFamily="2" charset="0"/>
+              </a:rPr>
+              <a:t>process_execute</a:t>
+            </a:r>
+            <a:endParaRPr lang="en-GB" altLang="ko-GB" sz="2200" dirty="0">
+              <a:effectLst/>
+              <a:latin typeface="Helvetica Neue" panose="02000503000000020004" pitchFamily="2" charset="0"/>
+            </a:endParaRPr>
           </a:p>
         </p:txBody>
       </p:sp>
@@ -8347,7 +8517,7 @@
         </p:nvSpPr>
         <p:spPr>
           <a:xfrm>
-            <a:off x="201334" y="3413500"/>
+            <a:off x="722866" y="1816400"/>
             <a:ext cx="3425269" cy="968357"/>
           </a:xfrm>
         </p:spPr>
@@ -8392,8 +8562,8 @@
         </p:blipFill>
         <p:spPr>
           <a:xfrm>
-            <a:off x="3502617" y="2544125"/>
-            <a:ext cx="7966517" cy="2707106"/>
+            <a:off x="5534526" y="2544125"/>
+            <a:ext cx="5934608" cy="2016642"/>
           </a:xfrm>
         </p:spPr>
       </p:pic>
@@ -8431,6 +8601,75 @@
               <a:t>System call implementation</a:t>
             </a:r>
             <a:endParaRPr kumimoji="1" lang="ko-GB" altLang="en-US" sz="2600" dirty="0"/>
+          </a:p>
+        </p:txBody>
+      </p:sp>
+      <p:sp>
+        <p:nvSpPr>
+          <p:cNvPr id="4" name="TextBox 3">
+            <a:extLst>
+              <a:ext uri="{FF2B5EF4-FFF2-40B4-BE49-F238E27FC236}">
+                <a16:creationId xmlns:a16="http://schemas.microsoft.com/office/drawing/2014/main" id="{F370C53E-D8EC-C040-8E28-98ABCC360F5F}"/>
+              </a:ext>
+            </a:extLst>
+          </p:cNvPr>
+          <p:cNvSpPr txBox="1"/>
+          <p:nvPr/>
+        </p:nvSpPr>
+        <p:spPr>
+          <a:xfrm>
+            <a:off x="1281497" y="3043990"/>
+            <a:ext cx="2644889" cy="2062103"/>
+          </a:xfrm>
+          <a:prstGeom prst="rect">
+            <a:avLst/>
+          </a:prstGeom>
+          <a:noFill/>
+        </p:spPr>
+        <p:txBody>
+          <a:bodyPr wrap="square" rtlCol="0">
+            <a:spAutoFit/>
+          </a:bodyPr>
+          <a:lstStyle/>
+          <a:p>
+            <a:r>
+              <a:rPr lang="en-GB" altLang="ko-GB" sz="2200" dirty="0">
+                <a:effectLst/>
+                <a:latin typeface="Helvetica Neue" panose="02000503000000020004" pitchFamily="2" charset="0"/>
+              </a:rPr>
+              <a:t>Takes file name, interfaces with </a:t>
+            </a:r>
+            <a:r>
+              <a:rPr lang="en-GB" altLang="ko-GB" sz="2200" dirty="0" err="1">
+                <a:effectLst/>
+                <a:latin typeface="Helvetica Neue" panose="02000503000000020004" pitchFamily="2" charset="0"/>
+              </a:rPr>
+              <a:t>sys_create</a:t>
+            </a:r>
+            <a:r>
+              <a:rPr lang="en-GB" altLang="ko-GB" sz="2200" dirty="0">
+                <a:effectLst/>
+                <a:latin typeface="Helvetica Neue" panose="02000503000000020004" pitchFamily="2" charset="0"/>
+              </a:rPr>
+              <a:t>, uses </a:t>
+            </a:r>
+            <a:r>
+              <a:rPr lang="en-GB" altLang="ko-GB" sz="2200" dirty="0" err="1">
+                <a:effectLst/>
+                <a:latin typeface="Helvetica Neue" panose="02000503000000020004" pitchFamily="2" charset="0"/>
+              </a:rPr>
+              <a:t>filesys_create</a:t>
+            </a:r>
+            <a:r>
+              <a:rPr lang="en-GB" altLang="ko-GB" sz="2200" dirty="0">
+                <a:effectLst/>
+                <a:latin typeface="Helvetica Neue" panose="02000503000000020004" pitchFamily="2" charset="0"/>
+              </a:rPr>
+              <a:t> for new file creation</a:t>
+            </a:r>
+          </a:p>
+          <a:p>
+            <a:endParaRPr kumimoji="1" lang="ko-GB" altLang="en-US" dirty="0"/>
           </a:p>
         </p:txBody>
       </p:sp>
@@ -8745,6 +8984,1039 @@
     <p:extLst>
       <p:ext uri="{BB962C8B-B14F-4D97-AF65-F5344CB8AC3E}">
         <p14:creationId xmlns:p14="http://schemas.microsoft.com/office/powerpoint/2010/main" val="3353309139"/>
+      </p:ext>
+    </p:extLst>
+  </p:cSld>
+  <p:clrMapOvr>
+    <a:masterClrMapping/>
+  </p:clrMapOvr>
+</p:sld>
+</file>
+
+<file path=ppt/slides/slide9.xml><?xml version="1.0" encoding="utf-8"?>
+<p:sld xmlns:a="http://schemas.openxmlformats.org/drawingml/2006/main" xmlns:r="http://schemas.openxmlformats.org/officeDocument/2006/relationships" xmlns:p="http://schemas.openxmlformats.org/presentationml/2006/main">
+  <p:cSld>
+    <p:bg>
+      <p:bgPr>
+        <a:solidFill>
+          <a:schemeClr val="bg2"/>
+        </a:solidFill>
+        <a:effectLst/>
+      </p:bgPr>
+    </p:bg>
+    <p:spTree>
+      <p:nvGrpSpPr>
+        <p:cNvPr id="1" name=""/>
+        <p:cNvGrpSpPr/>
+        <p:nvPr/>
+      </p:nvGrpSpPr>
+      <p:grpSpPr>
+        <a:xfrm>
+          <a:off x="0" y="0"/>
+          <a:ext cx="0" cy="0"/>
+          <a:chOff x="0" y="0"/>
+          <a:chExt cx="0" cy="0"/>
+        </a:xfrm>
+      </p:grpSpPr>
+      <p:sp useBgFill="1">
+        <p:nvSpPr>
+          <p:cNvPr id="12" name="Rectangle 11">
+            <a:extLst>
+              <a:ext uri="{FF2B5EF4-FFF2-40B4-BE49-F238E27FC236}">
+                <a16:creationId xmlns:a16="http://schemas.microsoft.com/office/drawing/2014/main" id="{EEE96A74-B62B-4642-AB22-7776A5F48CE7}"/>
+              </a:ext>
+              <a:ext uri="{C183D7F6-B498-43B3-948B-1728B52AA6E4}">
+                <adec:decorative xmlns:adec="http://schemas.microsoft.com/office/drawing/2017/decorative" val="1"/>
+              </a:ext>
+            </a:extLst>
+          </p:cNvPr>
+          <p:cNvSpPr>
+            <a:spLocks noGrp="1" noRot="1" noChangeAspect="1" noMove="1" noResize="1" noEditPoints="1" noAdjustHandles="1" noChangeArrowheads="1" noChangeShapeType="1" noTextEdit="1"/>
+          </p:cNvSpPr>
+          <p:nvPr>
+            <p:extLst>
+              <p:ext uri="{386F3935-93C4-4BCD-93E2-E3B085C9AB24}">
+                <p16:designElem xmlns:p16="http://schemas.microsoft.com/office/powerpoint/2015/main" val="1"/>
+              </p:ext>
+            </p:extLst>
+          </p:nvPr>
+        </p:nvSpPr>
+        <p:spPr>
+          <a:xfrm>
+            <a:off x="0" y="0"/>
+            <a:ext cx="12192000" cy="6858000"/>
+          </a:xfrm>
+          <a:prstGeom prst="rect">
+            <a:avLst/>
+          </a:prstGeom>
+          <a:ln w="12700" cap="flat" cmpd="sng" algn="ctr">
+            <a:noFill/>
+            <a:prstDash val="solid"/>
+            <a:miter lim="800000"/>
+          </a:ln>
+          <a:effectLst/>
+          <a:extLst>
+            <a:ext uri="{91240B29-F687-4F45-9708-019B960494DF}">
+              <a14:hiddenLine xmlns:a14="http://schemas.microsoft.com/office/drawing/2010/main" w="12700" cap="flat" cmpd="sng" algn="ctr">
+                <a:solidFill>
+                  <a:schemeClr val="accent1">
+                    <a:shade val="50000"/>
+                  </a:schemeClr>
+                </a:solidFill>
+                <a:prstDash val="solid"/>
+                <a:miter lim="800000"/>
+              </a14:hiddenLine>
+            </a:ext>
+          </a:extLst>
+        </p:spPr>
+        <p:style>
+          <a:lnRef idx="2">
+            <a:schemeClr val="accent1">
+              <a:shade val="50000"/>
+            </a:schemeClr>
+          </a:lnRef>
+          <a:fillRef idx="1">
+            <a:schemeClr val="accent1"/>
+          </a:fillRef>
+          <a:effectRef idx="0">
+            <a:schemeClr val="accent1"/>
+          </a:effectRef>
+          <a:fontRef idx="minor">
+            <a:schemeClr val="lt1"/>
+          </a:fontRef>
+        </p:style>
+        <p:txBody>
+          <a:bodyPr rtlCol="0" anchor="ctr"/>
+          <a:lstStyle/>
+          <a:p>
+            <a:pPr algn="ctr"/>
+            <a:endParaRPr lang="en-US"/>
+          </a:p>
+        </p:txBody>
+      </p:sp>
+      <p:sp>
+        <p:nvSpPr>
+          <p:cNvPr id="2" name="제목 1">
+            <a:extLst>
+              <a:ext uri="{FF2B5EF4-FFF2-40B4-BE49-F238E27FC236}">
+                <a16:creationId xmlns:a16="http://schemas.microsoft.com/office/drawing/2014/main" id="{08D430CA-A1C3-7D41-9017-F08EA99D8587}"/>
+              </a:ext>
+            </a:extLst>
+          </p:cNvPr>
+          <p:cNvSpPr>
+            <a:spLocks noGrp="1"/>
+          </p:cNvSpPr>
+          <p:nvPr>
+            <p:ph type="title"/>
+          </p:nvPr>
+        </p:nvSpPr>
+        <p:spPr>
+          <a:xfrm>
+            <a:off x="360952" y="811888"/>
+            <a:ext cx="3585406" cy="2031325"/>
+          </a:xfrm>
+        </p:spPr>
+        <p:txBody>
+          <a:bodyPr anchor="ctr">
+            <a:normAutofit/>
+          </a:bodyPr>
+          <a:lstStyle/>
+          <a:p>
+            <a:pPr algn="ctr"/>
+            <a:r>
+              <a:rPr lang="en-GB" altLang="ko-GB" b="1" i="0" dirty="0">
+                <a:effectLst/>
+                <a:latin typeface="Söhne"/>
+              </a:rPr>
+              <a:t>Exploit of </a:t>
+            </a:r>
+            <a:r>
+              <a:rPr lang="en-GB" altLang="ko-GB" b="1" i="0" dirty="0" err="1">
+                <a:effectLst/>
+                <a:latin typeface="Söhne"/>
+              </a:rPr>
+              <a:t>sys_creat</a:t>
+            </a:r>
+            <a:endParaRPr kumimoji="1" lang="ko-GB" altLang="en-US" b="1" dirty="0"/>
+          </a:p>
+        </p:txBody>
+      </p:sp>
+      <p:cxnSp>
+        <p:nvCxnSpPr>
+          <p:cNvPr id="14" name="Straight Connector 13">
+            <a:extLst>
+              <a:ext uri="{FF2B5EF4-FFF2-40B4-BE49-F238E27FC236}">
+                <a16:creationId xmlns:a16="http://schemas.microsoft.com/office/drawing/2014/main" id="{3A513CAD-9784-4D35-BAF9-1F7DDD697BDB}"/>
+              </a:ext>
+              <a:ext uri="{C183D7F6-B498-43B3-948B-1728B52AA6E4}">
+                <adec:decorative xmlns:adec="http://schemas.microsoft.com/office/drawing/2017/decorative" val="1"/>
+              </a:ext>
+            </a:extLst>
+          </p:cNvPr>
+          <p:cNvCxnSpPr>
+            <a:cxnSpLocks noGrp="1" noRot="1" noChangeAspect="1" noMove="1" noResize="1" noEditPoints="1" noAdjustHandles="1" noChangeArrowheads="1" noChangeShapeType="1"/>
+          </p:cNvCxnSpPr>
+          <p:nvPr>
+            <p:extLst>
+              <p:ext uri="{386F3935-93C4-4BCD-93E2-E3B085C9AB24}">
+                <p16:designElem xmlns:p16="http://schemas.microsoft.com/office/powerpoint/2015/main" val="1"/>
+              </p:ext>
+            </p:extLst>
+          </p:nvPr>
+        </p:nvCxnSpPr>
+        <p:spPr>
+          <a:xfrm rot="5400000">
+            <a:off x="4714750" y="1691606"/>
+            <a:ext cx="540000" cy="0"/>
+          </a:xfrm>
+          <a:prstGeom prst="line">
+            <a:avLst/>
+          </a:prstGeom>
+          <a:ln w="12700">
+            <a:solidFill>
+              <a:schemeClr val="tx1"/>
+            </a:solidFill>
+          </a:ln>
+        </p:spPr>
+        <p:style>
+          <a:lnRef idx="1">
+            <a:schemeClr val="accent1"/>
+          </a:lnRef>
+          <a:fillRef idx="0">
+            <a:schemeClr val="accent1"/>
+          </a:fillRef>
+          <a:effectRef idx="0">
+            <a:schemeClr val="accent1"/>
+          </a:effectRef>
+          <a:fontRef idx="minor">
+            <a:schemeClr val="tx1"/>
+          </a:fontRef>
+        </p:style>
+      </p:cxnSp>
+      <p:sp useBgFill="1">
+        <p:nvSpPr>
+          <p:cNvPr id="16" name="Rectangle 15">
+            <a:extLst>
+              <a:ext uri="{FF2B5EF4-FFF2-40B4-BE49-F238E27FC236}">
+                <a16:creationId xmlns:a16="http://schemas.microsoft.com/office/drawing/2014/main" id="{4AD52C5F-F278-4082-B0E5-5FDE4B8E2ED4}"/>
+              </a:ext>
+              <a:ext uri="{C183D7F6-B498-43B3-948B-1728B52AA6E4}">
+                <adec:decorative xmlns:adec="http://schemas.microsoft.com/office/drawing/2017/decorative" val="1"/>
+              </a:ext>
+            </a:extLst>
+          </p:cNvPr>
+          <p:cNvSpPr>
+            <a:spLocks noGrp="1" noRot="1" noChangeAspect="1" noMove="1" noResize="1" noEditPoints="1" noAdjustHandles="1" noChangeArrowheads="1" noChangeShapeType="1" noTextEdit="1"/>
+          </p:cNvSpPr>
+          <p:nvPr>
+            <p:extLst>
+              <p:ext uri="{386F3935-93C4-4BCD-93E2-E3B085C9AB24}">
+                <p16:designElem xmlns:p16="http://schemas.microsoft.com/office/powerpoint/2015/main" val="1"/>
+              </p:ext>
+            </p:extLst>
+          </p:nvPr>
+        </p:nvSpPr>
+        <p:spPr>
+          <a:xfrm>
+            <a:off x="0" y="3429000"/>
+            <a:ext cx="12192000" cy="3428999"/>
+          </a:xfrm>
+          <a:prstGeom prst="rect">
+            <a:avLst/>
+          </a:prstGeom>
+          <a:solidFill>
+            <a:schemeClr val="bg1">
+              <a:alpha val="20000"/>
+            </a:schemeClr>
+          </a:solidFill>
+          <a:ln w="12700" cap="flat" cmpd="sng" algn="ctr">
+            <a:noFill/>
+            <a:prstDash val="solid"/>
+            <a:miter lim="800000"/>
+          </a:ln>
+          <a:effectLst/>
+        </p:spPr>
+        <p:style>
+          <a:lnRef idx="2">
+            <a:schemeClr val="accent1">
+              <a:shade val="50000"/>
+            </a:schemeClr>
+          </a:lnRef>
+          <a:fillRef idx="1">
+            <a:schemeClr val="accent1"/>
+          </a:fillRef>
+          <a:effectRef idx="0">
+            <a:schemeClr val="accent1"/>
+          </a:effectRef>
+          <a:fontRef idx="minor">
+            <a:schemeClr val="lt1"/>
+          </a:fontRef>
+        </p:style>
+        <p:txBody>
+          <a:bodyPr rtlCol="0" anchor="ctr"/>
+          <a:lstStyle/>
+          <a:p>
+            <a:pPr algn="ctr"/>
+            <a:endParaRPr lang="en-US">
+              <a:solidFill>
+                <a:schemeClr val="bg1">
+                  <a:alpha val="20000"/>
+                </a:schemeClr>
+              </a:solidFill>
+            </a:endParaRPr>
+          </a:p>
+        </p:txBody>
+      </p:sp>
+      <p:pic>
+        <p:nvPicPr>
+          <p:cNvPr id="5" name="내용 개체 틀 4" descr="텍스트, 스크린샷, 폰트, 라인이(가) 표시된 사진&#10;&#10;자동 생성된 설명">
+            <a:extLst>
+              <a:ext uri="{FF2B5EF4-FFF2-40B4-BE49-F238E27FC236}">
+                <a16:creationId xmlns:a16="http://schemas.microsoft.com/office/drawing/2014/main" id="{D8BF702D-29D3-B346-916A-62ED6F2E9153}"/>
+              </a:ext>
+            </a:extLst>
+          </p:cNvPr>
+          <p:cNvPicPr>
+            <a:picLocks noChangeAspect="1"/>
+          </p:cNvPicPr>
+          <p:nvPr/>
+        </p:nvPicPr>
+        <p:blipFill>
+          <a:blip r:embed="rId2"/>
+          <a:stretch>
+            <a:fillRect/>
+          </a:stretch>
+        </p:blipFill>
+        <p:spPr>
+          <a:xfrm>
+            <a:off x="1953913" y="4016374"/>
+            <a:ext cx="8284526" cy="2298955"/>
+          </a:xfrm>
+          <a:prstGeom prst="rect">
+            <a:avLst/>
+          </a:prstGeom>
+        </p:spPr>
+      </p:pic>
+      <p:sp>
+        <p:nvSpPr>
+          <p:cNvPr id="6" name="TextBox 5">
+            <a:extLst>
+              <a:ext uri="{FF2B5EF4-FFF2-40B4-BE49-F238E27FC236}">
+                <a16:creationId xmlns:a16="http://schemas.microsoft.com/office/drawing/2014/main" id="{39745DBE-5680-D94A-AFC9-E06F9A574799}"/>
+              </a:ext>
+            </a:extLst>
+          </p:cNvPr>
+          <p:cNvSpPr txBox="1"/>
+          <p:nvPr/>
+        </p:nvSpPr>
+        <p:spPr>
+          <a:xfrm>
+            <a:off x="4307310" y="580768"/>
+            <a:ext cx="7571869" cy="2554545"/>
+          </a:xfrm>
+          <a:prstGeom prst="rect">
+            <a:avLst/>
+          </a:prstGeom>
+          <a:noFill/>
+        </p:spPr>
+        <p:txBody>
+          <a:bodyPr wrap="square" rtlCol="0">
+            <a:spAutoFit/>
+          </a:bodyPr>
+          <a:lstStyle/>
+          <a:p>
+            <a:r>
+              <a:rPr lang="en-GB" altLang="ko-GB" sz="2000" b="0" i="0" dirty="0">
+                <a:solidFill>
+                  <a:srgbClr val="D1D5DB"/>
+                </a:solidFill>
+                <a:effectLst/>
+                <a:latin typeface="Söhne"/>
+              </a:rPr>
+              <a:t>\x6A\x00 – push 0x00</a:t>
+            </a:r>
+          </a:p>
+          <a:p>
+            <a:r>
+              <a:rPr lang="en-GB" altLang="ko-GB" sz="2000" b="0" i="0" dirty="0">
+                <a:solidFill>
+                  <a:srgbClr val="D1D5DB"/>
+                </a:solidFill>
+                <a:effectLst/>
+                <a:latin typeface="Söhne"/>
+              </a:rPr>
+              <a:t>\x68\x66\x69\x6C\x65</a:t>
+            </a:r>
+            <a:r>
+              <a:rPr kumimoji="1" lang="en-US" altLang="ko-GB" sz="2000" b="0" i="0" dirty="0">
+                <a:solidFill>
+                  <a:srgbClr val="D1D5DB"/>
+                </a:solidFill>
+                <a:effectLst/>
+                <a:latin typeface="Söhne"/>
+              </a:rPr>
+              <a:t> </a:t>
+            </a:r>
+            <a:r>
+              <a:rPr kumimoji="1" lang="en-GB" altLang="ko-GB" sz="2000" b="0" i="0" dirty="0">
+                <a:solidFill>
+                  <a:srgbClr val="D1D5DB"/>
+                </a:solidFill>
+                <a:effectLst/>
+                <a:latin typeface="Söhne"/>
+              </a:rPr>
+              <a:t>-</a:t>
+            </a:r>
+            <a:r>
+              <a:rPr kumimoji="1" lang="en-US" altLang="ko-GB" sz="2000" b="0" i="0" dirty="0">
+                <a:solidFill>
+                  <a:srgbClr val="D1D5DB"/>
+                </a:solidFill>
+                <a:effectLst/>
+                <a:latin typeface="Söhne"/>
+              </a:rPr>
+              <a:t> </a:t>
+            </a:r>
+            <a:r>
+              <a:rPr lang="en-GB" altLang="ko-GB" sz="2000" b="0" i="0" dirty="0">
+                <a:solidFill>
+                  <a:srgbClr val="D1D5DB"/>
+                </a:solidFill>
+                <a:effectLst/>
+                <a:latin typeface="Söhne"/>
+              </a:rPr>
+              <a:t>Push the string 'file' onto the stack</a:t>
+            </a:r>
+          </a:p>
+          <a:p>
+            <a:r>
+              <a:rPr lang="en-GB" altLang="ko-GB" sz="2000" b="0" i="0" dirty="0">
+                <a:solidFill>
+                  <a:srgbClr val="ECECF1"/>
+                </a:solidFill>
+                <a:effectLst/>
+                <a:latin typeface="Söhne"/>
+              </a:rPr>
+              <a:t>\x89\xE2</a:t>
+            </a:r>
+            <a:r>
+              <a:rPr lang="ko-KR" altLang="en-US" sz="2000" b="0" i="0" dirty="0">
+                <a:solidFill>
+                  <a:srgbClr val="ECECF1"/>
+                </a:solidFill>
+                <a:effectLst/>
+                <a:latin typeface="Söhne"/>
+              </a:rPr>
+              <a:t> </a:t>
+            </a:r>
+            <a:r>
+              <a:rPr lang="en-US" altLang="ko-KR" sz="2000" b="0" i="0" dirty="0">
+                <a:solidFill>
+                  <a:srgbClr val="ECECF1"/>
+                </a:solidFill>
+                <a:effectLst/>
+                <a:latin typeface="Söhne"/>
+              </a:rPr>
+              <a:t>–</a:t>
+            </a:r>
+            <a:r>
+              <a:rPr lang="ko-KR" altLang="en-US" sz="2000" b="0" i="0" dirty="0">
+                <a:solidFill>
+                  <a:srgbClr val="ECECF1"/>
+                </a:solidFill>
+                <a:effectLst/>
+                <a:latin typeface="Söhne"/>
+              </a:rPr>
+              <a:t> </a:t>
+            </a:r>
+            <a:r>
+              <a:rPr lang="en-GB" altLang="ko-GB" sz="2000" b="0" i="0" dirty="0">
+                <a:solidFill>
+                  <a:srgbClr val="D1D5DB"/>
+                </a:solidFill>
+                <a:effectLst/>
+                <a:latin typeface="Söhne"/>
+              </a:rPr>
+              <a:t>Copy the value of the </a:t>
+            </a:r>
+            <a:r>
+              <a:rPr lang="en-US" altLang="ko-KR" sz="2000" dirty="0" err="1">
+                <a:solidFill>
+                  <a:srgbClr val="D1D5DB"/>
+                </a:solidFill>
+                <a:latin typeface="Söhne"/>
+              </a:rPr>
+              <a:t>esp</a:t>
+            </a:r>
+            <a:r>
+              <a:rPr lang="en-GB" altLang="ko-GB" sz="2000" b="0" i="0" dirty="0">
+                <a:solidFill>
+                  <a:srgbClr val="D1D5DB"/>
+                </a:solidFill>
+                <a:effectLst/>
+                <a:latin typeface="Söhne"/>
+              </a:rPr>
+              <a:t> register into the </a:t>
+            </a:r>
+            <a:r>
+              <a:rPr lang="en-US" altLang="ko-KR" sz="2000" b="0" i="0" dirty="0" err="1">
+                <a:solidFill>
+                  <a:srgbClr val="D1D5DB"/>
+                </a:solidFill>
+                <a:effectLst/>
+                <a:latin typeface="Söhne"/>
+              </a:rPr>
+              <a:t>edx</a:t>
+            </a:r>
+            <a:r>
+              <a:rPr lang="en-GB" altLang="ko-GB" sz="2000" b="0" i="0" dirty="0">
+                <a:solidFill>
+                  <a:srgbClr val="D1D5DB"/>
+                </a:solidFill>
+                <a:effectLst/>
+                <a:latin typeface="Söhne"/>
+              </a:rPr>
+              <a:t> register</a:t>
+            </a:r>
+            <a:endParaRPr lang="en-US" altLang="ko-KR" sz="2000" b="0" i="0" dirty="0">
+              <a:solidFill>
+                <a:srgbClr val="ECECF1"/>
+              </a:solidFill>
+              <a:effectLst/>
+              <a:latin typeface="Söhne"/>
+            </a:endParaRPr>
+          </a:p>
+          <a:p>
+            <a:r>
+              <a:rPr lang="en-GB" altLang="ko-GB" sz="2000" b="0" i="0" dirty="0">
+                <a:solidFill>
+                  <a:srgbClr val="ECECF1"/>
+                </a:solidFill>
+                <a:effectLst/>
+                <a:latin typeface="Söhne"/>
+              </a:rPr>
+              <a:t>\x68\xD0\x07\x00\x00</a:t>
+            </a:r>
+            <a:r>
+              <a:rPr lang="ko-KR" altLang="en-US" sz="2000" dirty="0">
+                <a:solidFill>
+                  <a:srgbClr val="ECECF1"/>
+                </a:solidFill>
+                <a:latin typeface="Söhne"/>
+              </a:rPr>
+              <a:t> </a:t>
+            </a:r>
+            <a:r>
+              <a:rPr lang="en-US" altLang="ko-KR" sz="2000" dirty="0">
+                <a:solidFill>
+                  <a:srgbClr val="ECECF1"/>
+                </a:solidFill>
+                <a:latin typeface="Söhne"/>
+              </a:rPr>
+              <a:t>–</a:t>
+            </a:r>
+            <a:r>
+              <a:rPr lang="ko-KR" altLang="en-US" sz="2000" dirty="0">
+                <a:solidFill>
+                  <a:srgbClr val="ECECF1"/>
+                </a:solidFill>
+                <a:latin typeface="Söhne"/>
+              </a:rPr>
+              <a:t>  </a:t>
+            </a:r>
+            <a:r>
+              <a:rPr lang="en-GB" altLang="ko-KR" sz="2000" dirty="0">
+                <a:solidFill>
+                  <a:srgbClr val="ECECF1"/>
+                </a:solidFill>
+                <a:latin typeface="Söhne"/>
+              </a:rPr>
+              <a:t>push 2000kb</a:t>
+            </a:r>
+            <a:endParaRPr lang="en-US" altLang="ko-KR" sz="2000" dirty="0">
+              <a:solidFill>
+                <a:srgbClr val="ECECF1"/>
+              </a:solidFill>
+              <a:latin typeface="Söhne"/>
+            </a:endParaRPr>
+          </a:p>
+          <a:p>
+            <a:r>
+              <a:rPr lang="en-GB" altLang="ko-GB" sz="2000" b="0" i="0" dirty="0">
+                <a:solidFill>
+                  <a:srgbClr val="ECECF1"/>
+                </a:solidFill>
+                <a:effectLst/>
+                <a:latin typeface="Söhne"/>
+              </a:rPr>
+              <a:t>\x52</a:t>
+            </a:r>
+            <a:r>
+              <a:rPr lang="ko-KR" altLang="en-US" sz="2000" b="0" i="0" dirty="0">
+                <a:solidFill>
+                  <a:srgbClr val="ECECF1"/>
+                </a:solidFill>
+                <a:effectLst/>
+                <a:latin typeface="Söhne"/>
+              </a:rPr>
+              <a:t> </a:t>
+            </a:r>
+            <a:r>
+              <a:rPr lang="en-US" altLang="ko-KR" sz="2000" b="0" i="0" dirty="0">
+                <a:solidFill>
+                  <a:srgbClr val="ECECF1"/>
+                </a:solidFill>
+                <a:effectLst/>
+                <a:latin typeface="Söhne"/>
+              </a:rPr>
+              <a:t>–</a:t>
+            </a:r>
+            <a:r>
+              <a:rPr lang="ko-KR" altLang="en-US" sz="2000" b="0" i="0" dirty="0">
+                <a:solidFill>
+                  <a:srgbClr val="ECECF1"/>
+                </a:solidFill>
+                <a:effectLst/>
+                <a:latin typeface="Söhne"/>
+              </a:rPr>
+              <a:t> </a:t>
+            </a:r>
+            <a:r>
+              <a:rPr lang="en-GB" altLang="ko-GB" sz="2000" b="0" i="0" dirty="0">
+                <a:solidFill>
+                  <a:srgbClr val="D1D5DB"/>
+                </a:solidFill>
+                <a:effectLst/>
+                <a:latin typeface="Söhne"/>
+              </a:rPr>
+              <a:t>Push the pointer pointing to the file name onto the stack</a:t>
+            </a:r>
+            <a:endParaRPr lang="en-US" altLang="ko-KR" sz="2000" b="0" i="0" dirty="0">
+              <a:solidFill>
+                <a:srgbClr val="ECECF1"/>
+              </a:solidFill>
+              <a:effectLst/>
+              <a:latin typeface="Söhne"/>
+            </a:endParaRPr>
+          </a:p>
+          <a:p>
+            <a:r>
+              <a:rPr lang="en-GB" altLang="ko-GB" sz="2000" b="0" i="0" dirty="0">
+                <a:solidFill>
+                  <a:srgbClr val="ECECF1"/>
+                </a:solidFill>
+                <a:effectLst/>
+                <a:latin typeface="Söhne"/>
+              </a:rPr>
+              <a:t>\x6A\x04</a:t>
+            </a:r>
+            <a:r>
+              <a:rPr lang="ko-KR" altLang="en-US" sz="2000" dirty="0">
+                <a:solidFill>
+                  <a:srgbClr val="ECECF1"/>
+                </a:solidFill>
+                <a:latin typeface="Söhne"/>
+              </a:rPr>
+              <a:t> </a:t>
+            </a:r>
+            <a:r>
+              <a:rPr lang="en-US" altLang="ko-KR" sz="2000" dirty="0">
+                <a:solidFill>
+                  <a:srgbClr val="ECECF1"/>
+                </a:solidFill>
+                <a:latin typeface="Söhne"/>
+              </a:rPr>
+              <a:t>–</a:t>
+            </a:r>
+            <a:r>
+              <a:rPr lang="ko-KR" altLang="en-US" sz="2000" dirty="0">
+                <a:solidFill>
+                  <a:srgbClr val="ECECF1"/>
+                </a:solidFill>
+                <a:latin typeface="Söhne"/>
+              </a:rPr>
+              <a:t> </a:t>
+            </a:r>
+            <a:r>
+              <a:rPr lang="en-GB" altLang="ko-GB" sz="2000" b="0" i="0" dirty="0">
+                <a:solidFill>
+                  <a:srgbClr val="D1D5DB"/>
+                </a:solidFill>
+                <a:effectLst/>
+                <a:latin typeface="Söhne"/>
+              </a:rPr>
+              <a:t>Push the system call number of </a:t>
+            </a:r>
+            <a:r>
+              <a:rPr lang="en-GB" altLang="ko-GB" sz="2000" b="0" i="0" dirty="0" err="1">
+                <a:solidFill>
+                  <a:srgbClr val="D1D5DB"/>
+                </a:solidFill>
+                <a:effectLst/>
+                <a:latin typeface="Söhne"/>
+              </a:rPr>
+              <a:t>sys_creat</a:t>
+            </a:r>
+            <a:r>
+              <a:rPr lang="en-GB" altLang="ko-GB" sz="2000" b="0" i="0" dirty="0">
+                <a:solidFill>
+                  <a:srgbClr val="D1D5DB"/>
+                </a:solidFill>
+                <a:effectLst/>
+                <a:latin typeface="Söhne"/>
+              </a:rPr>
+              <a:t>, which is 4, onto the stack</a:t>
+            </a:r>
+            <a:endParaRPr lang="en-US" altLang="ko-KR" sz="2000" dirty="0">
+              <a:solidFill>
+                <a:srgbClr val="ECECF1"/>
+              </a:solidFill>
+              <a:latin typeface="Söhne"/>
+            </a:endParaRPr>
+          </a:p>
+          <a:p>
+            <a:r>
+              <a:rPr lang="en-GB" altLang="ko-GB" sz="2000" b="0" i="0" dirty="0">
+                <a:solidFill>
+                  <a:srgbClr val="ECECF1"/>
+                </a:solidFill>
+                <a:effectLst/>
+                <a:latin typeface="Söhne"/>
+              </a:rPr>
+              <a:t>\</a:t>
+            </a:r>
+            <a:r>
+              <a:rPr lang="en-GB" altLang="ko-GB" sz="2000" b="0" i="0" dirty="0" err="1">
+                <a:solidFill>
+                  <a:srgbClr val="ECECF1"/>
+                </a:solidFill>
+                <a:effectLst/>
+                <a:latin typeface="Söhne"/>
+              </a:rPr>
+              <a:t>xCD</a:t>
+            </a:r>
+            <a:r>
+              <a:rPr lang="en-GB" altLang="ko-GB" sz="2000" b="0" i="0" dirty="0">
+                <a:solidFill>
+                  <a:srgbClr val="ECECF1"/>
+                </a:solidFill>
+                <a:effectLst/>
+                <a:latin typeface="Söhne"/>
+              </a:rPr>
+              <a:t>\x30</a:t>
+            </a:r>
+            <a:r>
+              <a:rPr lang="ko-KR" altLang="en-US" sz="2000" b="0" i="0" dirty="0">
+                <a:solidFill>
+                  <a:srgbClr val="ECECF1"/>
+                </a:solidFill>
+                <a:effectLst/>
+                <a:latin typeface="Söhne"/>
+              </a:rPr>
+              <a:t> </a:t>
+            </a:r>
+            <a:r>
+              <a:rPr lang="en-US" altLang="ko-KR" sz="2000" b="0" i="0" dirty="0">
+                <a:solidFill>
+                  <a:srgbClr val="ECECF1"/>
+                </a:solidFill>
+                <a:effectLst/>
+                <a:latin typeface="Söhne"/>
+              </a:rPr>
+              <a:t>-</a:t>
+            </a:r>
+            <a:r>
+              <a:rPr lang="ko-KR" altLang="en-US" sz="2000" b="0" i="0" dirty="0">
+                <a:solidFill>
+                  <a:srgbClr val="ECECF1"/>
+                </a:solidFill>
+                <a:effectLst/>
+                <a:latin typeface="Söhne"/>
+              </a:rPr>
+              <a:t> </a:t>
+            </a:r>
+            <a:r>
+              <a:rPr lang="en-GB" altLang="ko-GB" sz="2000" b="0" i="0" dirty="0">
+                <a:solidFill>
+                  <a:srgbClr val="D1D5DB"/>
+                </a:solidFill>
+                <a:effectLst/>
+                <a:latin typeface="Söhne"/>
+              </a:rPr>
+              <a:t>Trigger an</a:t>
+            </a:r>
+            <a:r>
+              <a:rPr lang="ko-KR" altLang="en-US" sz="2000" b="0" i="0" dirty="0">
+                <a:solidFill>
+                  <a:srgbClr val="D1D5DB"/>
+                </a:solidFill>
+                <a:effectLst/>
+                <a:latin typeface="Söhne"/>
+              </a:rPr>
+              <a:t> </a:t>
+            </a:r>
+            <a:r>
+              <a:rPr lang="en-US" altLang="ko-KR" sz="2000" b="0" i="0" dirty="0">
+                <a:solidFill>
+                  <a:srgbClr val="D1D5DB"/>
+                </a:solidFill>
+                <a:effectLst/>
+                <a:latin typeface="Söhne"/>
+              </a:rPr>
+              <a:t>0</a:t>
+            </a:r>
+            <a:r>
+              <a:rPr lang="en-GB" altLang="ko-KR" sz="2000" dirty="0">
+                <a:solidFill>
+                  <a:srgbClr val="D1D5DB"/>
+                </a:solidFill>
+                <a:latin typeface="Söhne"/>
+              </a:rPr>
+              <a:t>x30</a:t>
+            </a:r>
+            <a:r>
+              <a:rPr lang="en-GB" altLang="ko-GB" sz="2000" b="0" i="0" dirty="0">
+                <a:solidFill>
+                  <a:srgbClr val="D1D5DB"/>
+                </a:solidFill>
+                <a:effectLst/>
+                <a:latin typeface="Söhne"/>
+              </a:rPr>
+              <a:t> interrupt to perform the system call</a:t>
+            </a:r>
+            <a:endParaRPr kumimoji="1" lang="en-GB" altLang="ko-GB" sz="2000" dirty="0"/>
+          </a:p>
+        </p:txBody>
+      </p:sp>
+      <p:grpSp>
+        <p:nvGrpSpPr>
+          <p:cNvPr id="13" name="그룹 12">
+            <a:extLst>
+              <a:ext uri="{FF2B5EF4-FFF2-40B4-BE49-F238E27FC236}">
+                <a16:creationId xmlns:a16="http://schemas.microsoft.com/office/drawing/2014/main" id="{1D5B7039-512B-1848-A505-4C5B74AEFDE3}"/>
+              </a:ext>
+            </a:extLst>
+          </p:cNvPr>
+          <p:cNvGrpSpPr/>
+          <p:nvPr/>
+        </p:nvGrpSpPr>
+        <p:grpSpPr>
+          <a:xfrm>
+            <a:off x="4942876" y="1341436"/>
+            <a:ext cx="135360" cy="709920"/>
+            <a:chOff x="4942876" y="1341436"/>
+            <a:chExt cx="135360" cy="709920"/>
+          </a:xfrm>
+        </p:grpSpPr>
+        <mc:AlternateContent xmlns:mc="http://schemas.openxmlformats.org/markup-compatibility/2006">
+          <mc:Choice xmlns:p14="http://schemas.microsoft.com/office/powerpoint/2010/main" Requires="p14">
+            <p:contentPart p14:bwMode="auto" r:id="rId3">
+              <p14:nvContentPartPr>
+                <p14:cNvPr id="7" name="잉크 6">
+                  <a:extLst>
+                    <a:ext uri="{FF2B5EF4-FFF2-40B4-BE49-F238E27FC236}">
+                      <a16:creationId xmlns:a16="http://schemas.microsoft.com/office/drawing/2014/main" id="{A8C244F7-0024-1144-B9DD-AA9D16F95199}"/>
+                    </a:ext>
+                  </a:extLst>
+                </p14:cNvPr>
+                <p14:cNvContentPartPr/>
+                <p14:nvPr/>
+              </p14:nvContentPartPr>
+              <p14:xfrm>
+                <a:off x="4990036" y="1397236"/>
+                <a:ext cx="88200" cy="343080"/>
+              </p14:xfrm>
+            </p:contentPart>
+          </mc:Choice>
+          <mc:Fallback>
+            <p:pic>
+              <p:nvPicPr>
+                <p:cNvPr id="7" name="잉크 6">
+                  <a:extLst>
+                    <a:ext uri="{FF2B5EF4-FFF2-40B4-BE49-F238E27FC236}">
+                      <a16:creationId xmlns:a16="http://schemas.microsoft.com/office/drawing/2014/main" id="{A8C244F7-0024-1144-B9DD-AA9D16F95199}"/>
+                    </a:ext>
+                  </a:extLst>
+                </p:cNvPr>
+                <p:cNvPicPr/>
+                <p:nvPr/>
+              </p:nvPicPr>
+              <p:blipFill>
+                <a:blip r:embed="rId4"/>
+                <a:stretch>
+                  <a:fillRect/>
+                </a:stretch>
+              </p:blipFill>
+              <p:spPr>
+                <a:xfrm>
+                  <a:off x="4981036" y="1388236"/>
+                  <a:ext cx="105840" cy="360720"/>
+                </a:xfrm>
+                <a:prstGeom prst="rect">
+                  <a:avLst/>
+                </a:prstGeom>
+              </p:spPr>
+            </p:pic>
+          </mc:Fallback>
+        </mc:AlternateContent>
+        <mc:AlternateContent xmlns:mc="http://schemas.openxmlformats.org/markup-compatibility/2006">
+          <mc:Choice xmlns:p14="http://schemas.microsoft.com/office/powerpoint/2010/main" Requires="p14">
+            <p:contentPart p14:bwMode="auto" r:id="rId5">
+              <p14:nvContentPartPr>
+                <p14:cNvPr id="8" name="잉크 7">
+                  <a:extLst>
+                    <a:ext uri="{FF2B5EF4-FFF2-40B4-BE49-F238E27FC236}">
+                      <a16:creationId xmlns:a16="http://schemas.microsoft.com/office/drawing/2014/main" id="{020C7117-D9B2-8145-AAF6-97CC2255AE0D}"/>
+                    </a:ext>
+                  </a:extLst>
+                </p14:cNvPr>
+                <p14:cNvContentPartPr/>
+                <p14:nvPr/>
+              </p14:nvContentPartPr>
+              <p14:xfrm>
+                <a:off x="4990036" y="1550596"/>
+                <a:ext cx="360" cy="360"/>
+              </p14:xfrm>
+            </p:contentPart>
+          </mc:Choice>
+          <mc:Fallback>
+            <p:pic>
+              <p:nvPicPr>
+                <p:cNvPr id="8" name="잉크 7">
+                  <a:extLst>
+                    <a:ext uri="{FF2B5EF4-FFF2-40B4-BE49-F238E27FC236}">
+                      <a16:creationId xmlns:a16="http://schemas.microsoft.com/office/drawing/2014/main" id="{020C7117-D9B2-8145-AAF6-97CC2255AE0D}"/>
+                    </a:ext>
+                  </a:extLst>
+                </p:cNvPr>
+                <p:cNvPicPr/>
+                <p:nvPr/>
+              </p:nvPicPr>
+              <p:blipFill>
+                <a:blip r:embed="rId6"/>
+                <a:stretch>
+                  <a:fillRect/>
+                </a:stretch>
+              </p:blipFill>
+              <p:spPr>
+                <a:xfrm>
+                  <a:off x="4981036" y="1541956"/>
+                  <a:ext cx="18000" cy="18000"/>
+                </a:xfrm>
+                <a:prstGeom prst="rect">
+                  <a:avLst/>
+                </a:prstGeom>
+              </p:spPr>
+            </p:pic>
+          </mc:Fallback>
+        </mc:AlternateContent>
+        <mc:AlternateContent xmlns:mc="http://schemas.openxmlformats.org/markup-compatibility/2006">
+          <mc:Choice xmlns:p14="http://schemas.microsoft.com/office/powerpoint/2010/main" Requires="p14">
+            <p:contentPart p14:bwMode="auto" r:id="rId7">
+              <p14:nvContentPartPr>
+                <p14:cNvPr id="10" name="잉크 9">
+                  <a:extLst>
+                    <a:ext uri="{FF2B5EF4-FFF2-40B4-BE49-F238E27FC236}">
+                      <a16:creationId xmlns:a16="http://schemas.microsoft.com/office/drawing/2014/main" id="{3C15CE13-D042-294E-8BFA-EE22662AE805}"/>
+                    </a:ext>
+                  </a:extLst>
+                </p14:cNvPr>
+                <p14:cNvContentPartPr/>
+                <p14:nvPr/>
+              </p14:nvContentPartPr>
+              <p14:xfrm>
+                <a:off x="4961956" y="1503076"/>
+                <a:ext cx="111600" cy="522000"/>
+              </p14:xfrm>
+            </p:contentPart>
+          </mc:Choice>
+          <mc:Fallback>
+            <p:pic>
+              <p:nvPicPr>
+                <p:cNvPr id="10" name="잉크 9">
+                  <a:extLst>
+                    <a:ext uri="{FF2B5EF4-FFF2-40B4-BE49-F238E27FC236}">
+                      <a16:creationId xmlns:a16="http://schemas.microsoft.com/office/drawing/2014/main" id="{3C15CE13-D042-294E-8BFA-EE22662AE805}"/>
+                    </a:ext>
+                  </a:extLst>
+                </p:cNvPr>
+                <p:cNvPicPr/>
+                <p:nvPr/>
+              </p:nvPicPr>
+              <p:blipFill>
+                <a:blip r:embed="rId8"/>
+                <a:stretch>
+                  <a:fillRect/>
+                </a:stretch>
+              </p:blipFill>
+              <p:spPr>
+                <a:xfrm>
+                  <a:off x="4952956" y="1494076"/>
+                  <a:ext cx="129240" cy="539640"/>
+                </a:xfrm>
+                <a:prstGeom prst="rect">
+                  <a:avLst/>
+                </a:prstGeom>
+              </p:spPr>
+            </p:pic>
+          </mc:Fallback>
+        </mc:AlternateContent>
+        <mc:AlternateContent xmlns:mc="http://schemas.openxmlformats.org/markup-compatibility/2006">
+          <mc:Choice xmlns:p14="http://schemas.microsoft.com/office/powerpoint/2010/main" Requires="p14">
+            <p:contentPart p14:bwMode="auto" r:id="rId9">
+              <p14:nvContentPartPr>
+                <p14:cNvPr id="11" name="잉크 10">
+                  <a:extLst>
+                    <a:ext uri="{FF2B5EF4-FFF2-40B4-BE49-F238E27FC236}">
+                      <a16:creationId xmlns:a16="http://schemas.microsoft.com/office/drawing/2014/main" id="{B727E5DF-C34A-2649-BE8E-44692FC2D303}"/>
+                    </a:ext>
+                  </a:extLst>
+                </p14:cNvPr>
+                <p14:cNvContentPartPr/>
+                <p14:nvPr/>
+              </p14:nvContentPartPr>
+              <p14:xfrm>
+                <a:off x="4942876" y="1341436"/>
+                <a:ext cx="124920" cy="709920"/>
+              </p14:xfrm>
+            </p:contentPart>
+          </mc:Choice>
+          <mc:Fallback>
+            <p:pic>
+              <p:nvPicPr>
+                <p:cNvPr id="11" name="잉크 10">
+                  <a:extLst>
+                    <a:ext uri="{FF2B5EF4-FFF2-40B4-BE49-F238E27FC236}">
+                      <a16:creationId xmlns:a16="http://schemas.microsoft.com/office/drawing/2014/main" id="{B727E5DF-C34A-2649-BE8E-44692FC2D303}"/>
+                    </a:ext>
+                  </a:extLst>
+                </p:cNvPr>
+                <p:cNvPicPr/>
+                <p:nvPr/>
+              </p:nvPicPr>
+              <p:blipFill>
+                <a:blip r:embed="rId10"/>
+                <a:stretch>
+                  <a:fillRect/>
+                </a:stretch>
+              </p:blipFill>
+              <p:spPr>
+                <a:xfrm>
+                  <a:off x="4933876" y="1332436"/>
+                  <a:ext cx="142560" cy="727560"/>
+                </a:xfrm>
+                <a:prstGeom prst="rect">
+                  <a:avLst/>
+                </a:prstGeom>
+              </p:spPr>
+            </p:pic>
+          </mc:Fallback>
+        </mc:AlternateContent>
+      </p:grpSp>
+    </p:spTree>
+    <p:extLst>
+      <p:ext uri="{BB962C8B-B14F-4D97-AF65-F5344CB8AC3E}">
+        <p14:creationId xmlns:p14="http://schemas.microsoft.com/office/powerpoint/2010/main" val="1248659549"/>
       </p:ext>
     </p:extLst>
   </p:cSld>

--- a/pintos_ppt.pptx
+++ b/pintos_ppt.pptx
@@ -6,14 +6,14 @@
   </p:sldMasterIdLst>
   <p:sldIdLst>
     <p:sldId id="256" r:id="rId2"/>
-    <p:sldId id="257" r:id="rId3"/>
-    <p:sldId id="258" r:id="rId4"/>
-    <p:sldId id="262" r:id="rId5"/>
-    <p:sldId id="259" r:id="rId6"/>
+    <p:sldId id="258" r:id="rId3"/>
+    <p:sldId id="262" r:id="rId4"/>
+    <p:sldId id="259" r:id="rId5"/>
+    <p:sldId id="266" r:id="rId6"/>
     <p:sldId id="264" r:id="rId7"/>
     <p:sldId id="260" r:id="rId8"/>
-    <p:sldId id="263" r:id="rId9"/>
-    <p:sldId id="265" r:id="rId10"/>
+    <p:sldId id="265" r:id="rId9"/>
+    <p:sldId id="263" r:id="rId10"/>
   </p:sldIdLst>
   <p:sldSz cx="12192000" cy="6858000"/>
   <p:notesSz cx="6858000" cy="9144000"/>
@@ -6202,165 +6202,6 @@
 </file>
 
 <file path=ppt/slides/slide2.xml><?xml version="1.0" encoding="utf-8"?>
-<p:sld xmlns:a="http://schemas.openxmlformats.org/drawingml/2006/main" xmlns:r="http://schemas.openxmlformats.org/officeDocument/2006/relationships" xmlns:p="http://schemas.openxmlformats.org/presentationml/2006/main">
-  <p:cSld>
-    <p:bg>
-      <p:bgPr>
-        <a:solidFill>
-          <a:schemeClr val="bg2"/>
-        </a:solidFill>
-        <a:effectLst/>
-      </p:bgPr>
-    </p:bg>
-    <p:spTree>
-      <p:nvGrpSpPr>
-        <p:cNvPr id="1" name=""/>
-        <p:cNvGrpSpPr/>
-        <p:nvPr/>
-      </p:nvGrpSpPr>
-      <p:grpSpPr>
-        <a:xfrm>
-          <a:off x="0" y="0"/>
-          <a:ext cx="0" cy="0"/>
-          <a:chOff x="0" y="0"/>
-          <a:chExt cx="0" cy="0"/>
-        </a:xfrm>
-      </p:grpSpPr>
-      <p:sp>
-        <p:nvSpPr>
-          <p:cNvPr id="2" name="제목 1">
-            <a:extLst>
-              <a:ext uri="{FF2B5EF4-FFF2-40B4-BE49-F238E27FC236}">
-                <a16:creationId xmlns:a16="http://schemas.microsoft.com/office/drawing/2014/main" id="{2EA0D6DB-99C6-9D48-BEBA-D431D25A1387}"/>
-              </a:ext>
-            </a:extLst>
-          </p:cNvPr>
-          <p:cNvSpPr>
-            <a:spLocks noGrp="1"/>
-          </p:cNvSpPr>
-          <p:nvPr>
-            <p:ph type="title"/>
-          </p:nvPr>
-        </p:nvSpPr>
-        <p:spPr>
-          <a:xfrm>
-            <a:off x="3308350" y="1011237"/>
-            <a:ext cx="5575300" cy="860400"/>
-          </a:xfrm>
-        </p:spPr>
-        <p:txBody>
-          <a:bodyPr anchor="b">
-            <a:normAutofit/>
-          </a:bodyPr>
-          <a:lstStyle/>
-          <a:p>
-            <a:pPr algn="ctr"/>
-            <a:r>
-              <a:rPr kumimoji="1" lang="en-GB" altLang="ko-GB" sz="4000" dirty="0"/>
-              <a:t>Overview</a:t>
-            </a:r>
-            <a:endParaRPr kumimoji="1" lang="ko-GB" altLang="en-US" sz="4000" dirty="0"/>
-          </a:p>
-        </p:txBody>
-      </p:sp>
-      <p:cxnSp>
-        <p:nvCxnSpPr>
-          <p:cNvPr id="42" name="Straight Connector 41">
-            <a:extLst>
-              <a:ext uri="{FF2B5EF4-FFF2-40B4-BE49-F238E27FC236}">
-                <a16:creationId xmlns:a16="http://schemas.microsoft.com/office/drawing/2014/main" id="{77C6DF49-CBE3-4038-AC78-35DE4FD7CE8E}"/>
-              </a:ext>
-              <a:ext uri="{C183D7F6-B498-43B3-948B-1728B52AA6E4}">
-                <adec:decorative xmlns:adec="http://schemas.microsoft.com/office/drawing/2017/decorative" val="1"/>
-              </a:ext>
-            </a:extLst>
-          </p:cNvPr>
-          <p:cNvCxnSpPr>
-            <a:cxnSpLocks noGrp="1" noRot="1" noChangeAspect="1" noMove="1" noResize="1" noEditPoints="1" noAdjustHandles="1" noChangeArrowheads="1" noChangeShapeType="1"/>
-          </p:cNvCxnSpPr>
-          <p:nvPr>
-            <p:extLst>
-              <p:ext uri="{386F3935-93C4-4BCD-93E2-E3B085C9AB24}">
-                <p16:designElem xmlns:p16="http://schemas.microsoft.com/office/powerpoint/2015/main" val="1"/>
-              </p:ext>
-            </p:extLst>
-          </p:nvPr>
-        </p:nvCxnSpPr>
-        <p:spPr>
-          <a:xfrm>
-            <a:off x="5826000" y="2310207"/>
-            <a:ext cx="540000" cy="0"/>
-          </a:xfrm>
-          <a:prstGeom prst="line">
-            <a:avLst/>
-          </a:prstGeom>
-          <a:ln w="12700">
-            <a:solidFill>
-              <a:schemeClr val="tx1"/>
-            </a:solidFill>
-          </a:ln>
-        </p:spPr>
-        <p:style>
-          <a:lnRef idx="1">
-            <a:schemeClr val="accent1"/>
-          </a:lnRef>
-          <a:fillRef idx="0">
-            <a:schemeClr val="accent1"/>
-          </a:fillRef>
-          <a:effectRef idx="0">
-            <a:schemeClr val="accent1"/>
-          </a:effectRef>
-          <a:fontRef idx="minor">
-            <a:schemeClr val="tx1"/>
-          </a:fontRef>
-        </p:style>
-      </p:cxnSp>
-      <p:sp>
-        <p:nvSpPr>
-          <p:cNvPr id="3" name="내용 개체 틀 2">
-            <a:extLst>
-              <a:ext uri="{FF2B5EF4-FFF2-40B4-BE49-F238E27FC236}">
-                <a16:creationId xmlns:a16="http://schemas.microsoft.com/office/drawing/2014/main" id="{F5747FA1-5709-D445-B1BC-878B07D77D8B}"/>
-              </a:ext>
-            </a:extLst>
-          </p:cNvPr>
-          <p:cNvSpPr>
-            <a:spLocks noGrp="1"/>
-          </p:cNvSpPr>
-          <p:nvPr>
-            <p:ph idx="1"/>
-          </p:nvPr>
-        </p:nvSpPr>
-        <p:spPr>
-          <a:xfrm>
-            <a:off x="2748757" y="2759076"/>
-            <a:ext cx="6694487" cy="3009899"/>
-          </a:xfrm>
-        </p:spPr>
-        <p:txBody>
-          <a:bodyPr>
-            <a:normAutofit/>
-          </a:bodyPr>
-          <a:lstStyle/>
-          <a:p>
-            <a:endParaRPr kumimoji="1" lang="ko-GB" altLang="en-US"/>
-          </a:p>
-        </p:txBody>
-      </p:sp>
-    </p:spTree>
-    <p:extLst>
-      <p:ext uri="{BB962C8B-B14F-4D97-AF65-F5344CB8AC3E}">
-        <p14:creationId xmlns:p14="http://schemas.microsoft.com/office/powerpoint/2010/main" val="3615221680"/>
-      </p:ext>
-    </p:extLst>
-  </p:cSld>
-  <p:clrMapOvr>
-    <a:masterClrMapping/>
-  </p:clrMapOvr>
-</p:sld>
-</file>
-
-<file path=ppt/slides/slide3.xml><?xml version="1.0" encoding="utf-8"?>
 <p:sld xmlns:a="http://schemas.openxmlformats.org/drawingml/2006/main" xmlns:r="http://schemas.openxmlformats.org/officeDocument/2006/relationships" xmlns:p="http://schemas.openxmlformats.org/presentationml/2006/main">
   <p:cSld>
     <p:bg>
@@ -7920,6 +7761,132 @@
 </p:sld>
 </file>
 
+<file path=ppt/slides/slide3.xml><?xml version="1.0" encoding="utf-8"?>
+<p:sld xmlns:a="http://schemas.openxmlformats.org/drawingml/2006/main" xmlns:r="http://schemas.openxmlformats.org/officeDocument/2006/relationships" xmlns:p="http://schemas.openxmlformats.org/presentationml/2006/main">
+  <p:cSld>
+    <p:spTree>
+      <p:nvGrpSpPr>
+        <p:cNvPr id="1" name=""/>
+        <p:cNvGrpSpPr/>
+        <p:nvPr/>
+      </p:nvGrpSpPr>
+      <p:grpSpPr>
+        <a:xfrm>
+          <a:off x="0" y="0"/>
+          <a:ext cx="0" cy="0"/>
+          <a:chOff x="0" y="0"/>
+          <a:chExt cx="0" cy="0"/>
+        </a:xfrm>
+      </p:grpSpPr>
+      <p:sp>
+        <p:nvSpPr>
+          <p:cNvPr id="3" name="내용 개체 틀 2">
+            <a:extLst>
+              <a:ext uri="{FF2B5EF4-FFF2-40B4-BE49-F238E27FC236}">
+                <a16:creationId xmlns:a16="http://schemas.microsoft.com/office/drawing/2014/main" id="{E5C8B46A-8F79-014C-857D-01E6A2EB3A07}"/>
+              </a:ext>
+            </a:extLst>
+          </p:cNvPr>
+          <p:cNvSpPr>
+            <a:spLocks noGrp="1"/>
+          </p:cNvSpPr>
+          <p:nvPr>
+            <p:ph idx="1"/>
+          </p:nvPr>
+        </p:nvSpPr>
+        <p:spPr/>
+        <p:txBody>
+          <a:bodyPr/>
+          <a:lstStyle/>
+          <a:p>
+            <a:r>
+              <a:rPr kumimoji="1" lang="en-GB" altLang="en-US" dirty="0"/>
+              <a:t>SYS_REMOVE exploitation code</a:t>
+            </a:r>
+            <a:endParaRPr kumimoji="1" lang="ko-GB" altLang="en-US" dirty="0"/>
+          </a:p>
+        </p:txBody>
+      </p:sp>
+      <p:sp>
+        <p:nvSpPr>
+          <p:cNvPr id="5" name="TextBox 4">
+            <a:extLst>
+              <a:ext uri="{FF2B5EF4-FFF2-40B4-BE49-F238E27FC236}">
+                <a16:creationId xmlns:a16="http://schemas.microsoft.com/office/drawing/2014/main" id="{0CB27D58-2D81-0B4B-9CFD-7C316845F343}"/>
+              </a:ext>
+            </a:extLst>
+          </p:cNvPr>
+          <p:cNvSpPr txBox="1"/>
+          <p:nvPr/>
+        </p:nvSpPr>
+        <p:spPr>
+          <a:xfrm>
+            <a:off x="387069" y="387458"/>
+            <a:ext cx="11221162" cy="492443"/>
+          </a:xfrm>
+          <a:prstGeom prst="rect">
+            <a:avLst/>
+          </a:prstGeom>
+          <a:noFill/>
+        </p:spPr>
+        <p:txBody>
+          <a:bodyPr wrap="square" rtlCol="0">
+            <a:spAutoFit/>
+          </a:bodyPr>
+          <a:lstStyle/>
+          <a:p>
+            <a:pPr algn="ctr"/>
+            <a:r>
+              <a:rPr kumimoji="1" lang="en-GB" altLang="ko-GB" sz="2600" dirty="0"/>
+              <a:t>System call implementation</a:t>
+            </a:r>
+            <a:endParaRPr kumimoji="1" lang="ko-GB" altLang="en-US" sz="2600" dirty="0"/>
+          </a:p>
+        </p:txBody>
+      </p:sp>
+      <p:pic>
+        <p:nvPicPr>
+          <p:cNvPr id="4" name="Picture 3">
+            <a:extLst>
+              <a:ext uri="{FF2B5EF4-FFF2-40B4-BE49-F238E27FC236}">
+                <a16:creationId xmlns:a16="http://schemas.microsoft.com/office/drawing/2014/main" id="{BDCAC172-AD3F-AFE6-8F03-73F67F6D4B7B}"/>
+              </a:ext>
+            </a:extLst>
+          </p:cNvPr>
+          <p:cNvPicPr>
+            <a:picLocks noChangeAspect="1"/>
+          </p:cNvPicPr>
+          <p:nvPr/>
+        </p:nvPicPr>
+        <p:blipFill>
+          <a:blip r:embed="rId2"/>
+          <a:stretch>
+            <a:fillRect/>
+          </a:stretch>
+        </p:blipFill>
+        <p:spPr>
+          <a:xfrm>
+            <a:off x="3675188" y="3397045"/>
+            <a:ext cx="5372566" cy="1348857"/>
+          </a:xfrm>
+          <a:prstGeom prst="rect">
+            <a:avLst/>
+          </a:prstGeom>
+        </p:spPr>
+      </p:pic>
+    </p:spTree>
+    <p:extLst>
+      <p:ext uri="{BB962C8B-B14F-4D97-AF65-F5344CB8AC3E}">
+        <p14:creationId xmlns:p14="http://schemas.microsoft.com/office/powerpoint/2010/main" val="260515130"/>
+      </p:ext>
+    </p:extLst>
+  </p:cSld>
+  <p:clrMapOvr>
+    <a:masterClrMapping/>
+  </p:clrMapOvr>
+</p:sld>
+</file>
+
 <file path=ppt/slides/slide4.xml><?xml version="1.0" encoding="utf-8"?>
 <p:sld xmlns:a="http://schemas.openxmlformats.org/drawingml/2006/main" xmlns:r="http://schemas.openxmlformats.org/officeDocument/2006/relationships" xmlns:p="http://schemas.openxmlformats.org/presentationml/2006/main">
   <p:cSld>
@@ -7939,10 +7906,10 @@
       </p:grpSpPr>
       <p:sp>
         <p:nvSpPr>
-          <p:cNvPr id="3" name="내용 개체 틀 2">
-            <a:extLst>
-              <a:ext uri="{FF2B5EF4-FFF2-40B4-BE49-F238E27FC236}">
-                <a16:creationId xmlns:a16="http://schemas.microsoft.com/office/drawing/2014/main" id="{E5C8B46A-8F79-014C-857D-01E6A2EB3A07}"/>
+          <p:cNvPr id="2" name="제목 1">
+            <a:extLst>
+              <a:ext uri="{FF2B5EF4-FFF2-40B4-BE49-F238E27FC236}">
+                <a16:creationId xmlns:a16="http://schemas.microsoft.com/office/drawing/2014/main" id="{50FCCC9B-6E0E-014F-B87E-8BF21DF8FA1F}"/>
               </a:ext>
             </a:extLst>
           </p:cNvPr>
@@ -7950,24 +7917,67 @@
             <a:spLocks noGrp="1"/>
           </p:cNvSpPr>
           <p:nvPr>
+            <p:ph type="title"/>
+          </p:nvPr>
+        </p:nvSpPr>
+        <p:spPr>
+          <a:xfrm>
+            <a:off x="1219728" y="1799733"/>
+            <a:ext cx="2790084" cy="1247325"/>
+          </a:xfrm>
+        </p:spPr>
+        <p:txBody>
+          <a:bodyPr anchor="ctr">
+            <a:normAutofit/>
+          </a:bodyPr>
+          <a:lstStyle/>
+          <a:p>
+            <a:pPr algn="ctr"/>
+            <a:r>
+              <a:rPr kumimoji="1" lang="en-GB" altLang="ko-GB" b="1" dirty="0"/>
+              <a:t>SYS_EXEC</a:t>
+            </a:r>
+            <a:br>
+              <a:rPr kumimoji="1" lang="en-GB" altLang="ko-GB" dirty="0"/>
+            </a:br>
+            <a:endParaRPr kumimoji="1" lang="ko-GB" altLang="en-US" dirty="0"/>
+          </a:p>
+        </p:txBody>
+      </p:sp>
+      <p:pic>
+        <p:nvPicPr>
+          <p:cNvPr id="5" name="내용 개체 틀 4">
+            <a:extLst>
+              <a:ext uri="{FF2B5EF4-FFF2-40B4-BE49-F238E27FC236}">
+                <a16:creationId xmlns:a16="http://schemas.microsoft.com/office/drawing/2014/main" id="{EFEECE9A-2BDA-1049-868E-EB81A902A79B}"/>
+              </a:ext>
+            </a:extLst>
+          </p:cNvPr>
+          <p:cNvPicPr>
+            <a:picLocks noGrp="1" noChangeAspect="1"/>
+          </p:cNvPicPr>
+          <p:nvPr>
             <p:ph idx="1"/>
           </p:nvPr>
-        </p:nvSpPr>
-        <p:spPr/>
-        <p:txBody>
-          <a:bodyPr/>
-          <a:lstStyle/>
-          <a:p>
-            <a:endParaRPr kumimoji="1" lang="ko-GB" altLang="en-US" dirty="0"/>
-          </a:p>
-        </p:txBody>
-      </p:sp>
+        </p:nvPicPr>
+        <p:blipFill>
+          <a:blip r:embed="rId2"/>
+          <a:srcRect/>
+          <a:stretch/>
+        </p:blipFill>
+        <p:spPr>
+          <a:xfrm>
+            <a:off x="5708318" y="2423396"/>
+            <a:ext cx="5827587" cy="1997580"/>
+          </a:xfrm>
+        </p:spPr>
+      </p:pic>
       <p:sp>
         <p:nvSpPr>
-          <p:cNvPr id="5" name="TextBox 4">
-            <a:extLst>
-              <a:ext uri="{FF2B5EF4-FFF2-40B4-BE49-F238E27FC236}">
-                <a16:creationId xmlns:a16="http://schemas.microsoft.com/office/drawing/2014/main" id="{0CB27D58-2D81-0B4B-9CFD-7C316845F343}"/>
+          <p:cNvPr id="31" name="TextBox 30">
+            <a:extLst>
+              <a:ext uri="{FF2B5EF4-FFF2-40B4-BE49-F238E27FC236}">
+                <a16:creationId xmlns:a16="http://schemas.microsoft.com/office/drawing/2014/main" id="{C18F736F-95FB-4F4F-AE40-6B457670DE42}"/>
               </a:ext>
             </a:extLst>
           </p:cNvPr>
@@ -7999,10 +8009,73 @@
           </a:p>
         </p:txBody>
       </p:sp>
+      <p:sp>
+        <p:nvSpPr>
+          <p:cNvPr id="7" name="TextBox 6">
+            <a:extLst>
+              <a:ext uri="{FF2B5EF4-FFF2-40B4-BE49-F238E27FC236}">
+                <a16:creationId xmlns:a16="http://schemas.microsoft.com/office/drawing/2014/main" id="{67482EF2-1454-8544-8E81-245641806BF7}"/>
+              </a:ext>
+            </a:extLst>
+          </p:cNvPr>
+          <p:cNvSpPr txBox="1"/>
+          <p:nvPr/>
+        </p:nvSpPr>
+        <p:spPr>
+          <a:xfrm>
+            <a:off x="387069" y="3256945"/>
+            <a:ext cx="4714320" cy="1107996"/>
+          </a:xfrm>
+          <a:prstGeom prst="rect">
+            <a:avLst/>
+          </a:prstGeom>
+          <a:noFill/>
+        </p:spPr>
+        <p:txBody>
+          <a:bodyPr wrap="square" rtlCol="0">
+            <a:spAutoFit/>
+          </a:bodyPr>
+          <a:lstStyle/>
+          <a:p>
+            <a:r>
+              <a:rPr lang="en-GB" altLang="ko-GB" sz="2200" dirty="0">
+                <a:effectLst/>
+                <a:latin typeface="Helvetica Neue" panose="02000503000000020004" pitchFamily="2" charset="0"/>
+              </a:rPr>
+              <a:t>Takes command line input, interfaces with </a:t>
+            </a:r>
+            <a:r>
+              <a:rPr lang="en-GB" altLang="ko-GB" sz="2200" dirty="0" err="1">
+                <a:effectLst/>
+                <a:latin typeface="Helvetica Neue" panose="02000503000000020004" pitchFamily="2" charset="0"/>
+              </a:rPr>
+              <a:t>sys_exec</a:t>
+            </a:r>
+            <a:r>
+              <a:rPr lang="en-GB" altLang="ko-GB" sz="2200" dirty="0">
+                <a:effectLst/>
+                <a:latin typeface="Helvetica Neue" panose="02000503000000020004" pitchFamily="2" charset="0"/>
+              </a:rPr>
+              <a:t>, passes input to </a:t>
+            </a:r>
+            <a:r>
+              <a:rPr lang="en-GB" altLang="ko-GB" sz="2200" dirty="0" err="1">
+                <a:effectLst/>
+                <a:latin typeface="Helvetica Neue" panose="02000503000000020004" pitchFamily="2" charset="0"/>
+              </a:rPr>
+              <a:t>process_execute</a:t>
+            </a:r>
+            <a:endParaRPr lang="en-GB" altLang="ko-GB" sz="2200" dirty="0">
+              <a:effectLst/>
+              <a:latin typeface="Helvetica Neue" panose="02000503000000020004" pitchFamily="2" charset="0"/>
+            </a:endParaRPr>
+          </a:p>
+        </p:txBody>
+      </p:sp>
     </p:spTree>
     <p:extLst>
       <p:ext uri="{BB962C8B-B14F-4D97-AF65-F5344CB8AC3E}">
-        <p14:creationId xmlns:p14="http://schemas.microsoft.com/office/powerpoint/2010/main" val="260515130"/>
+        <p14:creationId xmlns:p14="http://schemas.microsoft.com/office/powerpoint/2010/main" val="3840995053"/>
       </p:ext>
     </p:extLst>
   </p:cSld>
@@ -8031,10 +8104,10 @@
       </p:grpSpPr>
       <p:sp>
         <p:nvSpPr>
-          <p:cNvPr id="2" name="제목 1">
-            <a:extLst>
-              <a:ext uri="{FF2B5EF4-FFF2-40B4-BE49-F238E27FC236}">
-                <a16:creationId xmlns:a16="http://schemas.microsoft.com/office/drawing/2014/main" id="{50FCCC9B-6E0E-014F-B87E-8BF21DF8FA1F}"/>
+          <p:cNvPr id="2" name="Title 1">
+            <a:extLst>
+              <a:ext uri="{FF2B5EF4-FFF2-40B4-BE49-F238E27FC236}">
+                <a16:creationId xmlns:a16="http://schemas.microsoft.com/office/drawing/2014/main" id="{BD59CEAF-8F3B-44C9-6075-A1C5BC235A12}"/>
               </a:ext>
             </a:extLst>
           </p:cNvPr>
@@ -8045,36 +8118,24 @@
             <p:ph type="title"/>
           </p:nvPr>
         </p:nvSpPr>
-        <p:spPr>
-          <a:xfrm>
-            <a:off x="1219728" y="1799733"/>
-            <a:ext cx="2790084" cy="1247325"/>
-          </a:xfrm>
-        </p:spPr>
+        <p:spPr/>
         <p:txBody>
-          <a:bodyPr anchor="ctr">
-            <a:normAutofit/>
-          </a:bodyPr>
+          <a:bodyPr/>
           <a:lstStyle/>
           <a:p>
-            <a:pPr algn="ctr"/>
-            <a:r>
-              <a:rPr kumimoji="1" lang="en-GB" altLang="ko-GB" b="1" dirty="0"/>
-              <a:t>SYS_EXEC</a:t>
-            </a:r>
-            <a:br>
-              <a:rPr kumimoji="1" lang="en-GB" altLang="ko-GB" dirty="0"/>
-            </a:br>
-            <a:endParaRPr kumimoji="1" lang="ko-GB" altLang="en-US" dirty="0"/>
+            <a:r>
+              <a:rPr lang="en-GB" dirty="0"/>
+              <a:t>SYS-EXEC exploit</a:t>
+            </a:r>
           </a:p>
         </p:txBody>
       </p:sp>
       <p:pic>
         <p:nvPicPr>
-          <p:cNvPr id="5" name="내용 개체 틀 4">
-            <a:extLst>
-              <a:ext uri="{FF2B5EF4-FFF2-40B4-BE49-F238E27FC236}">
-                <a16:creationId xmlns:a16="http://schemas.microsoft.com/office/drawing/2014/main" id="{EFEECE9A-2BDA-1049-868E-EB81A902A79B}"/>
+          <p:cNvPr id="5" name="Content Placeholder 4">
+            <a:extLst>
+              <a:ext uri="{FF2B5EF4-FFF2-40B4-BE49-F238E27FC236}">
+                <a16:creationId xmlns:a16="http://schemas.microsoft.com/office/drawing/2014/main" id="{B4EC4E72-F453-6FF1-AB30-CFA81E60FA8D}"/>
               </a:ext>
             </a:extLst>
           </p:cNvPr>
@@ -8087,120 +8148,21 @@
         </p:nvPicPr>
         <p:blipFill>
           <a:blip r:embed="rId2"/>
-          <a:srcRect/>
-          <a:stretch/>
+          <a:stretch>
+            <a:fillRect/>
+          </a:stretch>
         </p:blipFill>
         <p:spPr>
           <a:xfrm>
-            <a:off x="5708318" y="2423396"/>
-            <a:ext cx="5827587" cy="1997580"/>
+            <a:off x="2979785" y="3295925"/>
+            <a:ext cx="6226080" cy="967824"/>
           </a:xfrm>
         </p:spPr>
       </p:pic>
-      <p:sp>
-        <p:nvSpPr>
-          <p:cNvPr id="31" name="TextBox 30">
-            <a:extLst>
-              <a:ext uri="{FF2B5EF4-FFF2-40B4-BE49-F238E27FC236}">
-                <a16:creationId xmlns:a16="http://schemas.microsoft.com/office/drawing/2014/main" id="{C18F736F-95FB-4F4F-AE40-6B457670DE42}"/>
-              </a:ext>
-            </a:extLst>
-          </p:cNvPr>
-          <p:cNvSpPr txBox="1"/>
-          <p:nvPr/>
-        </p:nvSpPr>
-        <p:spPr>
-          <a:xfrm>
-            <a:off x="387069" y="387458"/>
-            <a:ext cx="11221162" cy="492443"/>
-          </a:xfrm>
-          <a:prstGeom prst="rect">
-            <a:avLst/>
-          </a:prstGeom>
-          <a:noFill/>
-        </p:spPr>
-        <p:txBody>
-          <a:bodyPr wrap="square" rtlCol="0">
-            <a:spAutoFit/>
-          </a:bodyPr>
-          <a:lstStyle/>
-          <a:p>
-            <a:pPr algn="ctr"/>
-            <a:r>
-              <a:rPr kumimoji="1" lang="en-GB" altLang="ko-GB" sz="2600" dirty="0"/>
-              <a:t>System call implementation</a:t>
-            </a:r>
-            <a:endParaRPr kumimoji="1" lang="ko-GB" altLang="en-US" sz="2600" dirty="0"/>
-          </a:p>
-        </p:txBody>
-      </p:sp>
-      <p:sp>
-        <p:nvSpPr>
-          <p:cNvPr id="7" name="TextBox 6">
-            <a:extLst>
-              <a:ext uri="{FF2B5EF4-FFF2-40B4-BE49-F238E27FC236}">
-                <a16:creationId xmlns:a16="http://schemas.microsoft.com/office/drawing/2014/main" id="{67482EF2-1454-8544-8E81-245641806BF7}"/>
-              </a:ext>
-            </a:extLst>
-          </p:cNvPr>
-          <p:cNvSpPr txBox="1"/>
-          <p:nvPr/>
-        </p:nvSpPr>
-        <p:spPr>
-          <a:xfrm>
-            <a:off x="387069" y="3256945"/>
-            <a:ext cx="4714320" cy="1107996"/>
-          </a:xfrm>
-          <a:prstGeom prst="rect">
-            <a:avLst/>
-          </a:prstGeom>
-          <a:noFill/>
-        </p:spPr>
-        <p:txBody>
-          <a:bodyPr wrap="square" rtlCol="0">
-            <a:spAutoFit/>
-          </a:bodyPr>
-          <a:lstStyle/>
-          <a:p>
-            <a:r>
-              <a:rPr lang="en-GB" altLang="ko-GB" sz="2200" dirty="0">
-                <a:effectLst/>
-                <a:latin typeface="Helvetica Neue" panose="02000503000000020004" pitchFamily="2" charset="0"/>
-              </a:rPr>
-              <a:t>Takes command line input, interfaces with </a:t>
-            </a:r>
-            <a:r>
-              <a:rPr lang="en-GB" altLang="ko-GB" sz="2200" dirty="0" err="1">
-                <a:effectLst/>
-                <a:latin typeface="Helvetica Neue" panose="02000503000000020004" pitchFamily="2" charset="0"/>
-              </a:rPr>
-              <a:t>sys_exec</a:t>
-            </a:r>
-            <a:r>
-              <a:rPr lang="en-GB" altLang="ko-GB" sz="2200" dirty="0">
-                <a:effectLst/>
-                <a:latin typeface="Helvetica Neue" panose="02000503000000020004" pitchFamily="2" charset="0"/>
-              </a:rPr>
-              <a:t>, passes input to </a:t>
-            </a:r>
-            <a:r>
-              <a:rPr lang="en-GB" altLang="ko-GB" sz="2200" dirty="0" err="1">
-                <a:effectLst/>
-                <a:latin typeface="Helvetica Neue" panose="02000503000000020004" pitchFamily="2" charset="0"/>
-              </a:rPr>
-              <a:t>process_execute</a:t>
-            </a:r>
-            <a:endParaRPr lang="en-GB" altLang="ko-GB" sz="2200" dirty="0">
-              <a:effectLst/>
-              <a:latin typeface="Helvetica Neue" panose="02000503000000020004" pitchFamily="2" charset="0"/>
-            </a:endParaRPr>
-          </a:p>
-        </p:txBody>
-      </p:sp>
     </p:spTree>
     <p:extLst>
       <p:ext uri="{BB962C8B-B14F-4D97-AF65-F5344CB8AC3E}">
-        <p14:creationId xmlns:p14="http://schemas.microsoft.com/office/powerpoint/2010/main" val="3840995053"/>
+        <p14:creationId xmlns:p14="http://schemas.microsoft.com/office/powerpoint/2010/main" val="1110990676"/>
       </p:ext>
     </p:extLst>
   </p:cSld>
@@ -8716,7 +8678,7 @@
           <p:cNvPr id="12" name="Rectangle 11">
             <a:extLst>
               <a:ext uri="{FF2B5EF4-FFF2-40B4-BE49-F238E27FC236}">
-                <a16:creationId xmlns:a16="http://schemas.microsoft.com/office/drawing/2014/main" id="{DB66C9CD-6BF4-44CA-8078-0BB819080761}"/>
+                <a16:creationId xmlns:a16="http://schemas.microsoft.com/office/drawing/2014/main" id="{EEE96A74-B62B-4642-AB22-7776A5F48CE7}"/>
               </a:ext>
               <a:ext uri="{C183D7F6-B498-43B3-948B-1728B52AA6E4}">
                 <adec:decorative xmlns:adec="http://schemas.microsoft.com/office/drawing/2017/decorative" val="1"/>
@@ -8792,7 +8754,7 @@
           <p:cNvPr id="2" name="제목 1">
             <a:extLst>
               <a:ext uri="{FF2B5EF4-FFF2-40B4-BE49-F238E27FC236}">
-                <a16:creationId xmlns:a16="http://schemas.microsoft.com/office/drawing/2014/main" id="{44701E6D-2A54-1046-848D-F2BE59C12DBC}"/>
+                <a16:creationId xmlns:a16="http://schemas.microsoft.com/office/drawing/2014/main" id="{08D430CA-A1C3-7D41-9017-F08EA99D8587}"/>
               </a:ext>
             </a:extLst>
           </p:cNvPr>
@@ -8805,28 +8767,32 @@
         </p:nvSpPr>
         <p:spPr>
           <a:xfrm>
-            <a:off x="1080000" y="862151"/>
-            <a:ext cx="6120000" cy="1009486"/>
+            <a:off x="360952" y="811888"/>
+            <a:ext cx="3585406" cy="2031325"/>
           </a:xfrm>
         </p:spPr>
         <p:txBody>
-          <a:bodyPr anchor="b">
+          <a:bodyPr anchor="ctr">
             <a:normAutofit/>
           </a:bodyPr>
           <a:lstStyle/>
           <a:p>
             <a:pPr algn="ctr"/>
             <a:r>
-              <a:rPr lang="en-GB" altLang="ko-GB" sz="4000" b="1" i="0" dirty="0">
-                <a:solidFill>
-                  <a:srgbClr val="D1D5DB"/>
-                </a:solidFill>
+              <a:rPr lang="en-GB" altLang="ko-GB" b="1" i="0" dirty="0">
                 <a:effectLst/>
                 <a:latin typeface="Söhne"/>
               </a:rPr>
-              <a:t>Execution result</a:t>
-            </a:r>
-            <a:endParaRPr kumimoji="1" lang="ko-GB" altLang="en-US" sz="4000" b="1" dirty="0"/>
+              <a:t>Exploit of </a:t>
+            </a:r>
+            <a:r>
+              <a:rPr lang="en-GB" altLang="ko-GB" b="1" i="0" dirty="0" err="1">
+                <a:effectLst/>
+                <a:latin typeface="Söhne"/>
+              </a:rPr>
+              <a:t>sys_create</a:t>
+            </a:r>
+            <a:endParaRPr kumimoji="1" lang="ko-GB" altLang="en-US" b="1" dirty="0"/>
           </a:p>
         </p:txBody>
       </p:sp>
@@ -8835,7 +8801,7 @@
           <p:cNvPr id="14" name="Straight Connector 13">
             <a:extLst>
               <a:ext uri="{FF2B5EF4-FFF2-40B4-BE49-F238E27FC236}">
-                <a16:creationId xmlns:a16="http://schemas.microsoft.com/office/drawing/2014/main" id="{77C6DF49-CBE3-4038-AC78-35DE4FD7CE8E}"/>
+                <a16:creationId xmlns:a16="http://schemas.microsoft.com/office/drawing/2014/main" id="{3A513CAD-9784-4D35-BAF9-1F7DDD697BDB}"/>
               </a:ext>
               <a:ext uri="{C183D7F6-B498-43B3-948B-1728B52AA6E4}">
                 <adec:decorative xmlns:adec="http://schemas.microsoft.com/office/drawing/2017/decorative" val="1"/>
@@ -8854,14 +8820,14 @@
           </p:nvPr>
         </p:nvCxnSpPr>
         <p:spPr>
-          <a:xfrm>
-            <a:off x="3870000" y="2310207"/>
+          <a:xfrm rot="5400000">
+            <a:off x="4714750" y="1691606"/>
             <a:ext cx="540000" cy="0"/>
           </a:xfrm>
           <a:prstGeom prst="line">
             <a:avLst/>
           </a:prstGeom>
-          <a:ln w="10160">
+          <a:ln w="12700">
             <a:solidFill>
               <a:schemeClr val="tx1"/>
             </a:solidFill>
@@ -8882,44 +8848,86 @@
           </a:fontRef>
         </p:style>
       </p:cxnSp>
-      <p:sp>
+      <p:sp useBgFill="1">
         <p:nvSpPr>
-          <p:cNvPr id="9" name="Content Placeholder 8">
-            <a:extLst>
-              <a:ext uri="{FF2B5EF4-FFF2-40B4-BE49-F238E27FC236}">
-                <a16:creationId xmlns:a16="http://schemas.microsoft.com/office/drawing/2014/main" id="{2846BEB5-979F-DD33-E302-4E8E9A258BAC}"/>
+          <p:cNvPr id="16" name="Rectangle 15">
+            <a:extLst>
+              <a:ext uri="{FF2B5EF4-FFF2-40B4-BE49-F238E27FC236}">
+                <a16:creationId xmlns:a16="http://schemas.microsoft.com/office/drawing/2014/main" id="{4AD52C5F-F278-4082-B0E5-5FDE4B8E2ED4}"/>
+              </a:ext>
+              <a:ext uri="{C183D7F6-B498-43B3-948B-1728B52AA6E4}">
+                <adec:decorative xmlns:adec="http://schemas.microsoft.com/office/drawing/2017/decorative" val="1"/>
               </a:ext>
             </a:extLst>
           </p:cNvPr>
           <p:cNvSpPr>
-            <a:spLocks noGrp="1"/>
+            <a:spLocks noGrp="1" noRot="1" noChangeAspect="1" noMove="1" noResize="1" noEditPoints="1" noAdjustHandles="1" noChangeArrowheads="1" noChangeShapeType="1" noTextEdit="1"/>
           </p:cNvSpPr>
           <p:nvPr>
-            <p:ph idx="1"/>
+            <p:extLst>
+              <p:ext uri="{386F3935-93C4-4BCD-93E2-E3B085C9AB24}">
+                <p16:designElem xmlns:p16="http://schemas.microsoft.com/office/powerpoint/2015/main" val="1"/>
+              </p:ext>
+            </p:extLst>
           </p:nvPr>
         </p:nvSpPr>
         <p:spPr>
           <a:xfrm>
-            <a:off x="1080000" y="2759076"/>
-            <a:ext cx="6121400" cy="3009899"/>
-          </a:xfrm>
+            <a:off x="0" y="3429000"/>
+            <a:ext cx="12192000" cy="3428999"/>
+          </a:xfrm>
+          <a:prstGeom prst="rect">
+            <a:avLst/>
+          </a:prstGeom>
+          <a:solidFill>
+            <a:schemeClr val="bg1">
+              <a:alpha val="20000"/>
+            </a:schemeClr>
+          </a:solidFill>
+          <a:ln w="12700" cap="flat" cmpd="sng" algn="ctr">
+            <a:noFill/>
+            <a:prstDash val="solid"/>
+            <a:miter lim="800000"/>
+          </a:ln>
+          <a:effectLst/>
         </p:spPr>
+        <p:style>
+          <a:lnRef idx="2">
+            <a:schemeClr val="accent1">
+              <a:shade val="50000"/>
+            </a:schemeClr>
+          </a:lnRef>
+          <a:fillRef idx="1">
+            <a:schemeClr val="accent1"/>
+          </a:fillRef>
+          <a:effectRef idx="0">
+            <a:schemeClr val="accent1"/>
+          </a:effectRef>
+          <a:fontRef idx="minor">
+            <a:schemeClr val="lt1"/>
+          </a:fontRef>
+        </p:style>
         <p:txBody>
-          <a:bodyPr>
-            <a:normAutofit/>
-          </a:bodyPr>
+          <a:bodyPr rtlCol="0" anchor="ctr"/>
           <a:lstStyle/>
           <a:p>
-            <a:endParaRPr lang="en-US" dirty="0"/>
+            <a:pPr algn="ctr"/>
+            <a:endParaRPr lang="en-US">
+              <a:solidFill>
+                <a:schemeClr val="bg1">
+                  <a:alpha val="20000"/>
+                </a:schemeClr>
+              </a:solidFill>
+            </a:endParaRPr>
           </a:p>
         </p:txBody>
       </p:sp>
       <p:pic>
         <p:nvPicPr>
-          <p:cNvPr id="5" name="내용 개체 틀 4" descr="텍스트, 스크린샷, 메뉴, 폰트이(가) 표시된 사진&#10;&#10;자동 생성된 설명">
-            <a:extLst>
-              <a:ext uri="{FF2B5EF4-FFF2-40B4-BE49-F238E27FC236}">
-                <a16:creationId xmlns:a16="http://schemas.microsoft.com/office/drawing/2014/main" id="{97C39789-F81D-9D4F-BC97-D263FA01AFD3}"/>
+          <p:cNvPr id="5" name="내용 개체 틀 4" descr="텍스트, 스크린샷, 폰트, 라인이(가) 표시된 사진&#10;&#10;자동 생성된 설명">
+            <a:extLst>
+              <a:ext uri="{FF2B5EF4-FFF2-40B4-BE49-F238E27FC236}">
+                <a16:creationId xmlns:a16="http://schemas.microsoft.com/office/drawing/2014/main" id="{D8BF702D-29D3-B346-916A-62ED6F2E9153}"/>
               </a:ext>
             </a:extLst>
           </p:cNvPr>
@@ -8928,15 +8936,16 @@
           </p:cNvPicPr>
           <p:nvPr/>
         </p:nvPicPr>
-        <p:blipFill rotWithShape="1">
+        <p:blipFill>
           <a:blip r:embed="rId2"/>
-          <a:srcRect l="538"/>
-          <a:stretch/>
+          <a:stretch>
+            <a:fillRect/>
+          </a:stretch>
         </p:blipFill>
         <p:spPr>
           <a:xfrm>
-            <a:off x="8321011" y="10"/>
-            <a:ext cx="3870989" cy="6857990"/>
+            <a:off x="1953913" y="4016374"/>
+            <a:ext cx="8284526" cy="2298955"/>
           </a:xfrm>
           <a:prstGeom prst="rect">
             <a:avLst/>
@@ -8945,10 +8954,10 @@
       </p:pic>
       <p:sp>
         <p:nvSpPr>
-          <p:cNvPr id="10" name="TextBox 9">
-            <a:extLst>
-              <a:ext uri="{FF2B5EF4-FFF2-40B4-BE49-F238E27FC236}">
-                <a16:creationId xmlns:a16="http://schemas.microsoft.com/office/drawing/2014/main" id="{F2594719-D2D3-2349-8ABB-B8EFBC63DF91}"/>
+          <p:cNvPr id="6" name="TextBox 5">
+            <a:extLst>
+              <a:ext uri="{FF2B5EF4-FFF2-40B4-BE49-F238E27FC236}">
+                <a16:creationId xmlns:a16="http://schemas.microsoft.com/office/drawing/2014/main" id="{39745DBE-5680-D94A-AFC9-E06F9A574799}"/>
               </a:ext>
             </a:extLst>
           </p:cNvPr>
@@ -8957,8 +8966,8 @@
         </p:nvSpPr>
         <p:spPr>
           <a:xfrm>
-            <a:off x="387069" y="387458"/>
-            <a:ext cx="7424077" cy="492443"/>
+            <a:off x="4307310" y="580768"/>
+            <a:ext cx="7571869" cy="2554545"/>
           </a:xfrm>
           <a:prstGeom prst="rect">
             <a:avLst/>
@@ -8971,19 +8980,698 @@
           </a:bodyPr>
           <a:lstStyle/>
           <a:p>
-            <a:pPr algn="ctr"/>
-            <a:r>
-              <a:rPr kumimoji="1" lang="en-GB" altLang="ko-GB" sz="2600" dirty="0"/>
-              <a:t>System call implementation</a:t>
-            </a:r>
-            <a:endParaRPr kumimoji="1" lang="ko-GB" altLang="en-US" sz="2600" dirty="0"/>
+            <a:r>
+              <a:rPr lang="en-GB" altLang="ko-GB" sz="2000" b="0" i="0" dirty="0">
+                <a:solidFill>
+                  <a:srgbClr val="D1D5DB"/>
+                </a:solidFill>
+                <a:effectLst/>
+                <a:latin typeface="Söhne"/>
+              </a:rPr>
+              <a:t>\x6A\x00 – push 0x00</a:t>
+            </a:r>
+          </a:p>
+          <a:p>
+            <a:r>
+              <a:rPr lang="en-GB" altLang="ko-GB" sz="2000" b="0" i="0" dirty="0">
+                <a:solidFill>
+                  <a:srgbClr val="D1D5DB"/>
+                </a:solidFill>
+                <a:effectLst/>
+                <a:latin typeface="Söhne"/>
+              </a:rPr>
+              <a:t>\x68\x66\x69\x6C\x65</a:t>
+            </a:r>
+            <a:r>
+              <a:rPr kumimoji="1" lang="en-US" altLang="ko-GB" sz="2000" b="0" i="0" dirty="0">
+                <a:solidFill>
+                  <a:srgbClr val="D1D5DB"/>
+                </a:solidFill>
+                <a:effectLst/>
+                <a:latin typeface="Söhne"/>
+              </a:rPr>
+              <a:t> </a:t>
+            </a:r>
+            <a:r>
+              <a:rPr kumimoji="1" lang="en-GB" altLang="ko-GB" sz="2000" b="0" i="0" dirty="0">
+                <a:solidFill>
+                  <a:srgbClr val="D1D5DB"/>
+                </a:solidFill>
+                <a:effectLst/>
+                <a:latin typeface="Söhne"/>
+              </a:rPr>
+              <a:t>-</a:t>
+            </a:r>
+            <a:r>
+              <a:rPr kumimoji="1" lang="en-US" altLang="ko-GB" sz="2000" b="0" i="0" dirty="0">
+                <a:solidFill>
+                  <a:srgbClr val="D1D5DB"/>
+                </a:solidFill>
+                <a:effectLst/>
+                <a:latin typeface="Söhne"/>
+              </a:rPr>
+              <a:t> </a:t>
+            </a:r>
+            <a:r>
+              <a:rPr lang="en-GB" altLang="ko-GB" sz="2000" b="0" i="0" dirty="0">
+                <a:solidFill>
+                  <a:srgbClr val="D1D5DB"/>
+                </a:solidFill>
+                <a:effectLst/>
+                <a:latin typeface="Söhne"/>
+              </a:rPr>
+              <a:t>Push the string 'file' onto the stack</a:t>
+            </a:r>
+          </a:p>
+          <a:p>
+            <a:r>
+              <a:rPr lang="en-GB" altLang="ko-GB" sz="2000" b="0" i="0" dirty="0">
+                <a:solidFill>
+                  <a:srgbClr val="ECECF1"/>
+                </a:solidFill>
+                <a:effectLst/>
+                <a:latin typeface="Söhne"/>
+              </a:rPr>
+              <a:t>\x89\xE2</a:t>
+            </a:r>
+            <a:r>
+              <a:rPr lang="ko-KR" altLang="en-US" sz="2000" b="0" i="0" dirty="0">
+                <a:solidFill>
+                  <a:srgbClr val="ECECF1"/>
+                </a:solidFill>
+                <a:effectLst/>
+                <a:latin typeface="Söhne"/>
+              </a:rPr>
+              <a:t> </a:t>
+            </a:r>
+            <a:r>
+              <a:rPr lang="en-US" altLang="ko-KR" sz="2000" b="0" i="0" dirty="0">
+                <a:solidFill>
+                  <a:srgbClr val="ECECF1"/>
+                </a:solidFill>
+                <a:effectLst/>
+                <a:latin typeface="Söhne"/>
+              </a:rPr>
+              <a:t>–</a:t>
+            </a:r>
+            <a:r>
+              <a:rPr lang="ko-KR" altLang="en-US" sz="2000" b="0" i="0" dirty="0">
+                <a:solidFill>
+                  <a:srgbClr val="ECECF1"/>
+                </a:solidFill>
+                <a:effectLst/>
+                <a:latin typeface="Söhne"/>
+              </a:rPr>
+              <a:t> </a:t>
+            </a:r>
+            <a:r>
+              <a:rPr lang="en-GB" altLang="ko-GB" sz="2000" b="0" i="0" dirty="0">
+                <a:solidFill>
+                  <a:srgbClr val="D1D5DB"/>
+                </a:solidFill>
+                <a:effectLst/>
+                <a:latin typeface="Söhne"/>
+              </a:rPr>
+              <a:t>Copy the value of the </a:t>
+            </a:r>
+            <a:r>
+              <a:rPr lang="en-US" altLang="ko-KR" sz="2000" dirty="0" err="1">
+                <a:solidFill>
+                  <a:srgbClr val="D1D5DB"/>
+                </a:solidFill>
+                <a:latin typeface="Söhne"/>
+              </a:rPr>
+              <a:t>esp</a:t>
+            </a:r>
+            <a:r>
+              <a:rPr lang="en-GB" altLang="ko-GB" sz="2000" b="0" i="0" dirty="0">
+                <a:solidFill>
+                  <a:srgbClr val="D1D5DB"/>
+                </a:solidFill>
+                <a:effectLst/>
+                <a:latin typeface="Söhne"/>
+              </a:rPr>
+              <a:t> register into the </a:t>
+            </a:r>
+            <a:r>
+              <a:rPr lang="en-US" altLang="ko-KR" sz="2000" b="0" i="0" dirty="0" err="1">
+                <a:solidFill>
+                  <a:srgbClr val="D1D5DB"/>
+                </a:solidFill>
+                <a:effectLst/>
+                <a:latin typeface="Söhne"/>
+              </a:rPr>
+              <a:t>edx</a:t>
+            </a:r>
+            <a:r>
+              <a:rPr lang="en-GB" altLang="ko-GB" sz="2000" b="0" i="0" dirty="0">
+                <a:solidFill>
+                  <a:srgbClr val="D1D5DB"/>
+                </a:solidFill>
+                <a:effectLst/>
+                <a:latin typeface="Söhne"/>
+              </a:rPr>
+              <a:t> register</a:t>
+            </a:r>
+            <a:endParaRPr lang="en-US" altLang="ko-KR" sz="2000" b="0" i="0" dirty="0">
+              <a:solidFill>
+                <a:srgbClr val="ECECF1"/>
+              </a:solidFill>
+              <a:effectLst/>
+              <a:latin typeface="Söhne"/>
+            </a:endParaRPr>
+          </a:p>
+          <a:p>
+            <a:r>
+              <a:rPr lang="en-GB" altLang="ko-GB" sz="2000" b="0" i="0" dirty="0">
+                <a:solidFill>
+                  <a:srgbClr val="ECECF1"/>
+                </a:solidFill>
+                <a:effectLst/>
+                <a:latin typeface="Söhne"/>
+              </a:rPr>
+              <a:t>\x68\xD0\x07\x00\x00</a:t>
+            </a:r>
+            <a:r>
+              <a:rPr lang="ko-KR" altLang="en-US" sz="2000" dirty="0">
+                <a:solidFill>
+                  <a:srgbClr val="ECECF1"/>
+                </a:solidFill>
+                <a:latin typeface="Söhne"/>
+              </a:rPr>
+              <a:t> </a:t>
+            </a:r>
+            <a:r>
+              <a:rPr lang="en-US" altLang="ko-KR" sz="2000" dirty="0">
+                <a:solidFill>
+                  <a:srgbClr val="ECECF1"/>
+                </a:solidFill>
+                <a:latin typeface="Söhne"/>
+              </a:rPr>
+              <a:t>–</a:t>
+            </a:r>
+            <a:r>
+              <a:rPr lang="ko-KR" altLang="en-US" sz="2000" dirty="0">
+                <a:solidFill>
+                  <a:srgbClr val="ECECF1"/>
+                </a:solidFill>
+                <a:latin typeface="Söhne"/>
+              </a:rPr>
+              <a:t>  </a:t>
+            </a:r>
+            <a:r>
+              <a:rPr lang="en-GB" altLang="ko-KR" sz="2000" dirty="0">
+                <a:solidFill>
+                  <a:srgbClr val="ECECF1"/>
+                </a:solidFill>
+                <a:latin typeface="Söhne"/>
+              </a:rPr>
+              <a:t>push 2000kb</a:t>
+            </a:r>
+            <a:endParaRPr lang="en-US" altLang="ko-KR" sz="2000" dirty="0">
+              <a:solidFill>
+                <a:srgbClr val="ECECF1"/>
+              </a:solidFill>
+              <a:latin typeface="Söhne"/>
+            </a:endParaRPr>
+          </a:p>
+          <a:p>
+            <a:r>
+              <a:rPr lang="en-GB" altLang="ko-GB" sz="2000" b="0" i="0" dirty="0">
+                <a:solidFill>
+                  <a:srgbClr val="ECECF1"/>
+                </a:solidFill>
+                <a:effectLst/>
+                <a:latin typeface="Söhne"/>
+              </a:rPr>
+              <a:t>\x52</a:t>
+            </a:r>
+            <a:r>
+              <a:rPr lang="ko-KR" altLang="en-US" sz="2000" b="0" i="0" dirty="0">
+                <a:solidFill>
+                  <a:srgbClr val="ECECF1"/>
+                </a:solidFill>
+                <a:effectLst/>
+                <a:latin typeface="Söhne"/>
+              </a:rPr>
+              <a:t> </a:t>
+            </a:r>
+            <a:r>
+              <a:rPr lang="en-US" altLang="ko-KR" sz="2000" b="0" i="0" dirty="0">
+                <a:solidFill>
+                  <a:srgbClr val="ECECF1"/>
+                </a:solidFill>
+                <a:effectLst/>
+                <a:latin typeface="Söhne"/>
+              </a:rPr>
+              <a:t>–</a:t>
+            </a:r>
+            <a:r>
+              <a:rPr lang="ko-KR" altLang="en-US" sz="2000" b="0" i="0" dirty="0">
+                <a:solidFill>
+                  <a:srgbClr val="ECECF1"/>
+                </a:solidFill>
+                <a:effectLst/>
+                <a:latin typeface="Söhne"/>
+              </a:rPr>
+              <a:t> </a:t>
+            </a:r>
+            <a:r>
+              <a:rPr lang="en-GB" altLang="ko-GB" sz="2000" b="0" i="0" dirty="0">
+                <a:solidFill>
+                  <a:srgbClr val="D1D5DB"/>
+                </a:solidFill>
+                <a:effectLst/>
+                <a:latin typeface="Söhne"/>
+              </a:rPr>
+              <a:t>Push the pointer pointing to the file name onto the stack</a:t>
+            </a:r>
+            <a:endParaRPr lang="en-US" altLang="ko-KR" sz="2000" b="0" i="0" dirty="0">
+              <a:solidFill>
+                <a:srgbClr val="ECECF1"/>
+              </a:solidFill>
+              <a:effectLst/>
+              <a:latin typeface="Söhne"/>
+            </a:endParaRPr>
+          </a:p>
+          <a:p>
+            <a:r>
+              <a:rPr lang="en-GB" altLang="ko-GB" sz="2000" b="0" i="0" dirty="0">
+                <a:solidFill>
+                  <a:srgbClr val="ECECF1"/>
+                </a:solidFill>
+                <a:effectLst/>
+                <a:latin typeface="Söhne"/>
+              </a:rPr>
+              <a:t>\x6A\x04</a:t>
+            </a:r>
+            <a:r>
+              <a:rPr lang="ko-KR" altLang="en-US" sz="2000" dirty="0">
+                <a:solidFill>
+                  <a:srgbClr val="ECECF1"/>
+                </a:solidFill>
+                <a:latin typeface="Söhne"/>
+              </a:rPr>
+              <a:t> </a:t>
+            </a:r>
+            <a:r>
+              <a:rPr lang="en-US" altLang="ko-KR" sz="2000" dirty="0">
+                <a:solidFill>
+                  <a:srgbClr val="ECECF1"/>
+                </a:solidFill>
+                <a:latin typeface="Söhne"/>
+              </a:rPr>
+              <a:t>–</a:t>
+            </a:r>
+            <a:r>
+              <a:rPr lang="ko-KR" altLang="en-US" sz="2000" dirty="0">
+                <a:solidFill>
+                  <a:srgbClr val="ECECF1"/>
+                </a:solidFill>
+                <a:latin typeface="Söhne"/>
+              </a:rPr>
+              <a:t> </a:t>
+            </a:r>
+            <a:r>
+              <a:rPr lang="en-GB" altLang="ko-GB" sz="2000" b="0" i="0" dirty="0">
+                <a:solidFill>
+                  <a:srgbClr val="D1D5DB"/>
+                </a:solidFill>
+                <a:effectLst/>
+                <a:latin typeface="Söhne"/>
+              </a:rPr>
+              <a:t>Push the system call number of </a:t>
+            </a:r>
+            <a:r>
+              <a:rPr lang="en-GB" altLang="ko-GB" sz="2000" b="0" i="0" dirty="0" err="1">
+                <a:solidFill>
+                  <a:srgbClr val="D1D5DB"/>
+                </a:solidFill>
+                <a:effectLst/>
+                <a:latin typeface="Söhne"/>
+              </a:rPr>
+              <a:t>sys_creat</a:t>
+            </a:r>
+            <a:r>
+              <a:rPr lang="en-GB" altLang="ko-GB" sz="2000" b="0" i="0" dirty="0">
+                <a:solidFill>
+                  <a:srgbClr val="D1D5DB"/>
+                </a:solidFill>
+                <a:effectLst/>
+                <a:latin typeface="Söhne"/>
+              </a:rPr>
+              <a:t>, which is 4, onto the stack</a:t>
+            </a:r>
+            <a:endParaRPr lang="en-US" altLang="ko-KR" sz="2000" dirty="0">
+              <a:solidFill>
+                <a:srgbClr val="ECECF1"/>
+              </a:solidFill>
+              <a:latin typeface="Söhne"/>
+            </a:endParaRPr>
+          </a:p>
+          <a:p>
+            <a:r>
+              <a:rPr lang="en-GB" altLang="ko-GB" sz="2000" b="0" i="0" dirty="0">
+                <a:solidFill>
+                  <a:srgbClr val="ECECF1"/>
+                </a:solidFill>
+                <a:effectLst/>
+                <a:latin typeface="Söhne"/>
+              </a:rPr>
+              <a:t>\</a:t>
+            </a:r>
+            <a:r>
+              <a:rPr lang="en-GB" altLang="ko-GB" sz="2000" b="0" i="0" dirty="0" err="1">
+                <a:solidFill>
+                  <a:srgbClr val="ECECF1"/>
+                </a:solidFill>
+                <a:effectLst/>
+                <a:latin typeface="Söhne"/>
+              </a:rPr>
+              <a:t>xCD</a:t>
+            </a:r>
+            <a:r>
+              <a:rPr lang="en-GB" altLang="ko-GB" sz="2000" b="0" i="0" dirty="0">
+                <a:solidFill>
+                  <a:srgbClr val="ECECF1"/>
+                </a:solidFill>
+                <a:effectLst/>
+                <a:latin typeface="Söhne"/>
+              </a:rPr>
+              <a:t>\x30</a:t>
+            </a:r>
+            <a:r>
+              <a:rPr lang="ko-KR" altLang="en-US" sz="2000" b="0" i="0" dirty="0">
+                <a:solidFill>
+                  <a:srgbClr val="ECECF1"/>
+                </a:solidFill>
+                <a:effectLst/>
+                <a:latin typeface="Söhne"/>
+              </a:rPr>
+              <a:t> </a:t>
+            </a:r>
+            <a:r>
+              <a:rPr lang="en-US" altLang="ko-KR" sz="2000" b="0" i="0" dirty="0">
+                <a:solidFill>
+                  <a:srgbClr val="ECECF1"/>
+                </a:solidFill>
+                <a:effectLst/>
+                <a:latin typeface="Söhne"/>
+              </a:rPr>
+              <a:t>-</a:t>
+            </a:r>
+            <a:r>
+              <a:rPr lang="ko-KR" altLang="en-US" sz="2000" b="0" i="0" dirty="0">
+                <a:solidFill>
+                  <a:srgbClr val="ECECF1"/>
+                </a:solidFill>
+                <a:effectLst/>
+                <a:latin typeface="Söhne"/>
+              </a:rPr>
+              <a:t> </a:t>
+            </a:r>
+            <a:r>
+              <a:rPr lang="en-GB" altLang="ko-GB" sz="2000" b="0" i="0" dirty="0">
+                <a:solidFill>
+                  <a:srgbClr val="D1D5DB"/>
+                </a:solidFill>
+                <a:effectLst/>
+                <a:latin typeface="Söhne"/>
+              </a:rPr>
+              <a:t>Trigger an</a:t>
+            </a:r>
+            <a:r>
+              <a:rPr lang="ko-KR" altLang="en-US" sz="2000" b="0" i="0" dirty="0">
+                <a:solidFill>
+                  <a:srgbClr val="D1D5DB"/>
+                </a:solidFill>
+                <a:effectLst/>
+                <a:latin typeface="Söhne"/>
+              </a:rPr>
+              <a:t> </a:t>
+            </a:r>
+            <a:r>
+              <a:rPr lang="en-US" altLang="ko-KR" sz="2000" b="0" i="0" dirty="0">
+                <a:solidFill>
+                  <a:srgbClr val="D1D5DB"/>
+                </a:solidFill>
+                <a:effectLst/>
+                <a:latin typeface="Söhne"/>
+              </a:rPr>
+              <a:t>0</a:t>
+            </a:r>
+            <a:r>
+              <a:rPr lang="en-GB" altLang="ko-KR" sz="2000" dirty="0">
+                <a:solidFill>
+                  <a:srgbClr val="D1D5DB"/>
+                </a:solidFill>
+                <a:latin typeface="Söhne"/>
+              </a:rPr>
+              <a:t>x30</a:t>
+            </a:r>
+            <a:r>
+              <a:rPr lang="en-GB" altLang="ko-GB" sz="2000" b="0" i="0" dirty="0">
+                <a:solidFill>
+                  <a:srgbClr val="D1D5DB"/>
+                </a:solidFill>
+                <a:effectLst/>
+                <a:latin typeface="Söhne"/>
+              </a:rPr>
+              <a:t> interrupt to perform the system call</a:t>
+            </a:r>
+            <a:endParaRPr kumimoji="1" lang="en-GB" altLang="ko-GB" sz="2000" dirty="0"/>
           </a:p>
         </p:txBody>
       </p:sp>
+      <p:grpSp>
+        <p:nvGrpSpPr>
+          <p:cNvPr id="13" name="그룹 12">
+            <a:extLst>
+              <a:ext uri="{FF2B5EF4-FFF2-40B4-BE49-F238E27FC236}">
+                <a16:creationId xmlns:a16="http://schemas.microsoft.com/office/drawing/2014/main" id="{1D5B7039-512B-1848-A505-4C5B74AEFDE3}"/>
+              </a:ext>
+            </a:extLst>
+          </p:cNvPr>
+          <p:cNvGrpSpPr/>
+          <p:nvPr/>
+        </p:nvGrpSpPr>
+        <p:grpSpPr>
+          <a:xfrm>
+            <a:off x="4942876" y="1341436"/>
+            <a:ext cx="135360" cy="709920"/>
+            <a:chOff x="4942876" y="1341436"/>
+            <a:chExt cx="135360" cy="709920"/>
+          </a:xfrm>
+        </p:grpSpPr>
+        <mc:AlternateContent xmlns:mc="http://schemas.openxmlformats.org/markup-compatibility/2006" xmlns:p14="http://schemas.microsoft.com/office/powerpoint/2010/main">
+          <mc:Choice Requires="p14">
+            <p:contentPart p14:bwMode="auto" r:id="rId3">
+              <p14:nvContentPartPr>
+                <p14:cNvPr id="7" name="잉크 6">
+                  <a:extLst>
+                    <a:ext uri="{FF2B5EF4-FFF2-40B4-BE49-F238E27FC236}">
+                      <a16:creationId xmlns:a16="http://schemas.microsoft.com/office/drawing/2014/main" id="{A8C244F7-0024-1144-B9DD-AA9D16F95199}"/>
+                    </a:ext>
+                  </a:extLst>
+                </p14:cNvPr>
+                <p14:cNvContentPartPr/>
+                <p14:nvPr/>
+              </p14:nvContentPartPr>
+              <p14:xfrm>
+                <a:off x="4990036" y="1397236"/>
+                <a:ext cx="88200" cy="343080"/>
+              </p14:xfrm>
+            </p:contentPart>
+          </mc:Choice>
+          <mc:Fallback xmlns="">
+            <p:pic>
+              <p:nvPicPr>
+                <p:cNvPr id="7" name="잉크 6">
+                  <a:extLst>
+                    <a:ext uri="{FF2B5EF4-FFF2-40B4-BE49-F238E27FC236}">
+                      <a16:creationId xmlns:a16="http://schemas.microsoft.com/office/drawing/2014/main" id="{A8C244F7-0024-1144-B9DD-AA9D16F95199}"/>
+                    </a:ext>
+                  </a:extLst>
+                </p:cNvPr>
+                <p:cNvPicPr/>
+                <p:nvPr/>
+              </p:nvPicPr>
+              <p:blipFill>
+                <a:blip r:embed="rId4"/>
+                <a:stretch>
+                  <a:fillRect/>
+                </a:stretch>
+              </p:blipFill>
+              <p:spPr>
+                <a:xfrm>
+                  <a:off x="4981036" y="1388236"/>
+                  <a:ext cx="105840" cy="360720"/>
+                </a:xfrm>
+                <a:prstGeom prst="rect">
+                  <a:avLst/>
+                </a:prstGeom>
+              </p:spPr>
+            </p:pic>
+          </mc:Fallback>
+        </mc:AlternateContent>
+        <mc:AlternateContent xmlns:mc="http://schemas.openxmlformats.org/markup-compatibility/2006" xmlns:p14="http://schemas.microsoft.com/office/powerpoint/2010/main">
+          <mc:Choice Requires="p14">
+            <p:contentPart p14:bwMode="auto" r:id="rId5">
+              <p14:nvContentPartPr>
+                <p14:cNvPr id="8" name="잉크 7">
+                  <a:extLst>
+                    <a:ext uri="{FF2B5EF4-FFF2-40B4-BE49-F238E27FC236}">
+                      <a16:creationId xmlns:a16="http://schemas.microsoft.com/office/drawing/2014/main" id="{020C7117-D9B2-8145-AAF6-97CC2255AE0D}"/>
+                    </a:ext>
+                  </a:extLst>
+                </p14:cNvPr>
+                <p14:cNvContentPartPr/>
+                <p14:nvPr/>
+              </p14:nvContentPartPr>
+              <p14:xfrm>
+                <a:off x="4990036" y="1550596"/>
+                <a:ext cx="360" cy="360"/>
+              </p14:xfrm>
+            </p:contentPart>
+          </mc:Choice>
+          <mc:Fallback xmlns="">
+            <p:pic>
+              <p:nvPicPr>
+                <p:cNvPr id="8" name="잉크 7">
+                  <a:extLst>
+                    <a:ext uri="{FF2B5EF4-FFF2-40B4-BE49-F238E27FC236}">
+                      <a16:creationId xmlns:a16="http://schemas.microsoft.com/office/drawing/2014/main" id="{020C7117-D9B2-8145-AAF6-97CC2255AE0D}"/>
+                    </a:ext>
+                  </a:extLst>
+                </p:cNvPr>
+                <p:cNvPicPr/>
+                <p:nvPr/>
+              </p:nvPicPr>
+              <p:blipFill>
+                <a:blip r:embed="rId6"/>
+                <a:stretch>
+                  <a:fillRect/>
+                </a:stretch>
+              </p:blipFill>
+              <p:spPr>
+                <a:xfrm>
+                  <a:off x="4981036" y="1541956"/>
+                  <a:ext cx="18000" cy="18000"/>
+                </a:xfrm>
+                <a:prstGeom prst="rect">
+                  <a:avLst/>
+                </a:prstGeom>
+              </p:spPr>
+            </p:pic>
+          </mc:Fallback>
+        </mc:AlternateContent>
+        <mc:AlternateContent xmlns:mc="http://schemas.openxmlformats.org/markup-compatibility/2006" xmlns:p14="http://schemas.microsoft.com/office/powerpoint/2010/main">
+          <mc:Choice Requires="p14">
+            <p:contentPart p14:bwMode="auto" r:id="rId7">
+              <p14:nvContentPartPr>
+                <p14:cNvPr id="10" name="잉크 9">
+                  <a:extLst>
+                    <a:ext uri="{FF2B5EF4-FFF2-40B4-BE49-F238E27FC236}">
+                      <a16:creationId xmlns:a16="http://schemas.microsoft.com/office/drawing/2014/main" id="{3C15CE13-D042-294E-8BFA-EE22662AE805}"/>
+                    </a:ext>
+                  </a:extLst>
+                </p14:cNvPr>
+                <p14:cNvContentPartPr/>
+                <p14:nvPr/>
+              </p14:nvContentPartPr>
+              <p14:xfrm>
+                <a:off x="4961956" y="1503076"/>
+                <a:ext cx="111600" cy="522000"/>
+              </p14:xfrm>
+            </p:contentPart>
+          </mc:Choice>
+          <mc:Fallback xmlns="">
+            <p:pic>
+              <p:nvPicPr>
+                <p:cNvPr id="10" name="잉크 9">
+                  <a:extLst>
+                    <a:ext uri="{FF2B5EF4-FFF2-40B4-BE49-F238E27FC236}">
+                      <a16:creationId xmlns:a16="http://schemas.microsoft.com/office/drawing/2014/main" id="{3C15CE13-D042-294E-8BFA-EE22662AE805}"/>
+                    </a:ext>
+                  </a:extLst>
+                </p:cNvPr>
+                <p:cNvPicPr/>
+                <p:nvPr/>
+              </p:nvPicPr>
+              <p:blipFill>
+                <a:blip r:embed="rId8"/>
+                <a:stretch>
+                  <a:fillRect/>
+                </a:stretch>
+              </p:blipFill>
+              <p:spPr>
+                <a:xfrm>
+                  <a:off x="4952956" y="1494076"/>
+                  <a:ext cx="129240" cy="539640"/>
+                </a:xfrm>
+                <a:prstGeom prst="rect">
+                  <a:avLst/>
+                </a:prstGeom>
+              </p:spPr>
+            </p:pic>
+          </mc:Fallback>
+        </mc:AlternateContent>
+        <mc:AlternateContent xmlns:mc="http://schemas.openxmlformats.org/markup-compatibility/2006" xmlns:p14="http://schemas.microsoft.com/office/powerpoint/2010/main">
+          <mc:Choice Requires="p14">
+            <p:contentPart p14:bwMode="auto" r:id="rId9">
+              <p14:nvContentPartPr>
+                <p14:cNvPr id="11" name="잉크 10">
+                  <a:extLst>
+                    <a:ext uri="{FF2B5EF4-FFF2-40B4-BE49-F238E27FC236}">
+                      <a16:creationId xmlns:a16="http://schemas.microsoft.com/office/drawing/2014/main" id="{B727E5DF-C34A-2649-BE8E-44692FC2D303}"/>
+                    </a:ext>
+                  </a:extLst>
+                </p14:cNvPr>
+                <p14:cNvContentPartPr/>
+                <p14:nvPr/>
+              </p14:nvContentPartPr>
+              <p14:xfrm>
+                <a:off x="4942876" y="1341436"/>
+                <a:ext cx="124920" cy="709920"/>
+              </p14:xfrm>
+            </p:contentPart>
+          </mc:Choice>
+          <mc:Fallback xmlns="">
+            <p:pic>
+              <p:nvPicPr>
+                <p:cNvPr id="11" name="잉크 10">
+                  <a:extLst>
+                    <a:ext uri="{FF2B5EF4-FFF2-40B4-BE49-F238E27FC236}">
+                      <a16:creationId xmlns:a16="http://schemas.microsoft.com/office/drawing/2014/main" id="{B727E5DF-C34A-2649-BE8E-44692FC2D303}"/>
+                    </a:ext>
+                  </a:extLst>
+                </p:cNvPr>
+                <p:cNvPicPr/>
+                <p:nvPr/>
+              </p:nvPicPr>
+              <p:blipFill>
+                <a:blip r:embed="rId10"/>
+                <a:stretch>
+                  <a:fillRect/>
+                </a:stretch>
+              </p:blipFill>
+              <p:spPr>
+                <a:xfrm>
+                  <a:off x="4933876" y="1332436"/>
+                  <a:ext cx="142560" cy="727560"/>
+                </a:xfrm>
+                <a:prstGeom prst="rect">
+                  <a:avLst/>
+                </a:prstGeom>
+              </p:spPr>
+            </p:pic>
+          </mc:Fallback>
+        </mc:AlternateContent>
+      </p:grpSp>
     </p:spTree>
     <p:extLst>
       <p:ext uri="{BB962C8B-B14F-4D97-AF65-F5344CB8AC3E}">
-        <p14:creationId xmlns:p14="http://schemas.microsoft.com/office/powerpoint/2010/main" val="3353309139"/>
+        <p14:creationId xmlns:p14="http://schemas.microsoft.com/office/powerpoint/2010/main" val="1248659549"/>
       </p:ext>
     </p:extLst>
   </p:cSld>
@@ -9023,7 +9711,7 @@
           <p:cNvPr id="12" name="Rectangle 11">
             <a:extLst>
               <a:ext uri="{FF2B5EF4-FFF2-40B4-BE49-F238E27FC236}">
-                <a16:creationId xmlns:a16="http://schemas.microsoft.com/office/drawing/2014/main" id="{EEE96A74-B62B-4642-AB22-7776A5F48CE7}"/>
+                <a16:creationId xmlns:a16="http://schemas.microsoft.com/office/drawing/2014/main" id="{DB66C9CD-6BF4-44CA-8078-0BB819080761}"/>
               </a:ext>
               <a:ext uri="{C183D7F6-B498-43B3-948B-1728B52AA6E4}">
                 <adec:decorative xmlns:adec="http://schemas.microsoft.com/office/drawing/2017/decorative" val="1"/>
@@ -9099,7 +9787,7 @@
           <p:cNvPr id="2" name="제목 1">
             <a:extLst>
               <a:ext uri="{FF2B5EF4-FFF2-40B4-BE49-F238E27FC236}">
-                <a16:creationId xmlns:a16="http://schemas.microsoft.com/office/drawing/2014/main" id="{08D430CA-A1C3-7D41-9017-F08EA99D8587}"/>
+                <a16:creationId xmlns:a16="http://schemas.microsoft.com/office/drawing/2014/main" id="{44701E6D-2A54-1046-848D-F2BE59C12DBC}"/>
               </a:ext>
             </a:extLst>
           </p:cNvPr>
@@ -9112,32 +9800,28 @@
         </p:nvSpPr>
         <p:spPr>
           <a:xfrm>
-            <a:off x="360952" y="811888"/>
-            <a:ext cx="3585406" cy="2031325"/>
+            <a:off x="1080000" y="862151"/>
+            <a:ext cx="6120000" cy="1009486"/>
           </a:xfrm>
         </p:spPr>
         <p:txBody>
-          <a:bodyPr anchor="ctr">
+          <a:bodyPr anchor="b">
             <a:normAutofit/>
           </a:bodyPr>
           <a:lstStyle/>
           <a:p>
             <a:pPr algn="ctr"/>
             <a:r>
-              <a:rPr lang="en-GB" altLang="ko-GB" b="1" i="0" dirty="0">
+              <a:rPr lang="en-GB" altLang="ko-GB" sz="4000" b="1" i="0" dirty="0">
+                <a:solidFill>
+                  <a:srgbClr val="D1D5DB"/>
+                </a:solidFill>
                 <a:effectLst/>
                 <a:latin typeface="Söhne"/>
               </a:rPr>
-              <a:t>Exploit of </a:t>
-            </a:r>
-            <a:r>
-              <a:rPr lang="en-GB" altLang="ko-GB" b="1" i="0" dirty="0" err="1">
-                <a:effectLst/>
-                <a:latin typeface="Söhne"/>
-              </a:rPr>
-              <a:t>sys_creat</a:t>
-            </a:r>
-            <a:endParaRPr kumimoji="1" lang="ko-GB" altLang="en-US" b="1" dirty="0"/>
+              <a:t>Execution result</a:t>
+            </a:r>
+            <a:endParaRPr kumimoji="1" lang="ko-GB" altLang="en-US" sz="4000" b="1" dirty="0"/>
           </a:p>
         </p:txBody>
       </p:sp>
@@ -9146,7 +9830,7 @@
           <p:cNvPr id="14" name="Straight Connector 13">
             <a:extLst>
               <a:ext uri="{FF2B5EF4-FFF2-40B4-BE49-F238E27FC236}">
-                <a16:creationId xmlns:a16="http://schemas.microsoft.com/office/drawing/2014/main" id="{3A513CAD-9784-4D35-BAF9-1F7DDD697BDB}"/>
+                <a16:creationId xmlns:a16="http://schemas.microsoft.com/office/drawing/2014/main" id="{77C6DF49-CBE3-4038-AC78-35DE4FD7CE8E}"/>
               </a:ext>
               <a:ext uri="{C183D7F6-B498-43B3-948B-1728B52AA6E4}">
                 <adec:decorative xmlns:adec="http://schemas.microsoft.com/office/drawing/2017/decorative" val="1"/>
@@ -9165,14 +9849,14 @@
           </p:nvPr>
         </p:nvCxnSpPr>
         <p:spPr>
-          <a:xfrm rot="5400000">
-            <a:off x="4714750" y="1691606"/>
+          <a:xfrm>
+            <a:off x="3870000" y="2310207"/>
             <a:ext cx="540000" cy="0"/>
           </a:xfrm>
           <a:prstGeom prst="line">
             <a:avLst/>
           </a:prstGeom>
-          <a:ln w="12700">
+          <a:ln w="10160">
             <a:solidFill>
               <a:schemeClr val="tx1"/>
             </a:solidFill>
@@ -9193,86 +9877,44 @@
           </a:fontRef>
         </p:style>
       </p:cxnSp>
-      <p:sp useBgFill="1">
+      <p:sp>
         <p:nvSpPr>
-          <p:cNvPr id="16" name="Rectangle 15">
-            <a:extLst>
-              <a:ext uri="{FF2B5EF4-FFF2-40B4-BE49-F238E27FC236}">
-                <a16:creationId xmlns:a16="http://schemas.microsoft.com/office/drawing/2014/main" id="{4AD52C5F-F278-4082-B0E5-5FDE4B8E2ED4}"/>
-              </a:ext>
-              <a:ext uri="{C183D7F6-B498-43B3-948B-1728B52AA6E4}">
-                <adec:decorative xmlns:adec="http://schemas.microsoft.com/office/drawing/2017/decorative" val="1"/>
+          <p:cNvPr id="9" name="Content Placeholder 8">
+            <a:extLst>
+              <a:ext uri="{FF2B5EF4-FFF2-40B4-BE49-F238E27FC236}">
+                <a16:creationId xmlns:a16="http://schemas.microsoft.com/office/drawing/2014/main" id="{2846BEB5-979F-DD33-E302-4E8E9A258BAC}"/>
               </a:ext>
             </a:extLst>
           </p:cNvPr>
           <p:cNvSpPr>
-            <a:spLocks noGrp="1" noRot="1" noChangeAspect="1" noMove="1" noResize="1" noEditPoints="1" noAdjustHandles="1" noChangeArrowheads="1" noChangeShapeType="1" noTextEdit="1"/>
+            <a:spLocks noGrp="1"/>
           </p:cNvSpPr>
           <p:nvPr>
-            <p:extLst>
-              <p:ext uri="{386F3935-93C4-4BCD-93E2-E3B085C9AB24}">
-                <p16:designElem xmlns:p16="http://schemas.microsoft.com/office/powerpoint/2015/main" val="1"/>
-              </p:ext>
-            </p:extLst>
+            <p:ph idx="1"/>
           </p:nvPr>
         </p:nvSpPr>
         <p:spPr>
           <a:xfrm>
-            <a:off x="0" y="3429000"/>
-            <a:ext cx="12192000" cy="3428999"/>
-          </a:xfrm>
-          <a:prstGeom prst="rect">
-            <a:avLst/>
-          </a:prstGeom>
-          <a:solidFill>
-            <a:schemeClr val="bg1">
-              <a:alpha val="20000"/>
-            </a:schemeClr>
-          </a:solidFill>
-          <a:ln w="12700" cap="flat" cmpd="sng" algn="ctr">
-            <a:noFill/>
-            <a:prstDash val="solid"/>
-            <a:miter lim="800000"/>
-          </a:ln>
-          <a:effectLst/>
+            <a:off x="1080000" y="2759076"/>
+            <a:ext cx="6121400" cy="3009899"/>
+          </a:xfrm>
         </p:spPr>
-        <p:style>
-          <a:lnRef idx="2">
-            <a:schemeClr val="accent1">
-              <a:shade val="50000"/>
-            </a:schemeClr>
-          </a:lnRef>
-          <a:fillRef idx="1">
-            <a:schemeClr val="accent1"/>
-          </a:fillRef>
-          <a:effectRef idx="0">
-            <a:schemeClr val="accent1"/>
-          </a:effectRef>
-          <a:fontRef idx="minor">
-            <a:schemeClr val="lt1"/>
-          </a:fontRef>
-        </p:style>
         <p:txBody>
-          <a:bodyPr rtlCol="0" anchor="ctr"/>
+          <a:bodyPr>
+            <a:normAutofit/>
+          </a:bodyPr>
           <a:lstStyle/>
           <a:p>
-            <a:pPr algn="ctr"/>
-            <a:endParaRPr lang="en-US">
-              <a:solidFill>
-                <a:schemeClr val="bg1">
-                  <a:alpha val="20000"/>
-                </a:schemeClr>
-              </a:solidFill>
-            </a:endParaRPr>
+            <a:endParaRPr lang="en-US" dirty="0"/>
           </a:p>
         </p:txBody>
       </p:sp>
       <p:pic>
         <p:nvPicPr>
-          <p:cNvPr id="5" name="내용 개체 틀 4" descr="텍스트, 스크린샷, 폰트, 라인이(가) 표시된 사진&#10;&#10;자동 생성된 설명">
-            <a:extLst>
-              <a:ext uri="{FF2B5EF4-FFF2-40B4-BE49-F238E27FC236}">
-                <a16:creationId xmlns:a16="http://schemas.microsoft.com/office/drawing/2014/main" id="{D8BF702D-29D3-B346-916A-62ED6F2E9153}"/>
+          <p:cNvPr id="5" name="내용 개체 틀 4" descr="텍스트, 스크린샷, 메뉴, 폰트이(가) 표시된 사진&#10;&#10;자동 생성된 설명">
+            <a:extLst>
+              <a:ext uri="{FF2B5EF4-FFF2-40B4-BE49-F238E27FC236}">
+                <a16:creationId xmlns:a16="http://schemas.microsoft.com/office/drawing/2014/main" id="{97C39789-F81D-9D4F-BC97-D263FA01AFD3}"/>
               </a:ext>
             </a:extLst>
           </p:cNvPr>
@@ -9281,16 +9923,15 @@
           </p:cNvPicPr>
           <p:nvPr/>
         </p:nvPicPr>
-        <p:blipFill>
+        <p:blipFill rotWithShape="1">
           <a:blip r:embed="rId2"/>
-          <a:stretch>
-            <a:fillRect/>
-          </a:stretch>
+          <a:srcRect l="538"/>
+          <a:stretch/>
         </p:blipFill>
         <p:spPr>
           <a:xfrm>
-            <a:off x="1953913" y="4016374"/>
-            <a:ext cx="8284526" cy="2298955"/>
+            <a:off x="8321011" y="10"/>
+            <a:ext cx="3870989" cy="6857990"/>
           </a:xfrm>
           <a:prstGeom prst="rect">
             <a:avLst/>
@@ -9299,10 +9940,10 @@
       </p:pic>
       <p:sp>
         <p:nvSpPr>
-          <p:cNvPr id="6" name="TextBox 5">
-            <a:extLst>
-              <a:ext uri="{FF2B5EF4-FFF2-40B4-BE49-F238E27FC236}">
-                <a16:creationId xmlns:a16="http://schemas.microsoft.com/office/drawing/2014/main" id="{39745DBE-5680-D94A-AFC9-E06F9A574799}"/>
+          <p:cNvPr id="10" name="TextBox 9">
+            <a:extLst>
+              <a:ext uri="{FF2B5EF4-FFF2-40B4-BE49-F238E27FC236}">
+                <a16:creationId xmlns:a16="http://schemas.microsoft.com/office/drawing/2014/main" id="{F2594719-D2D3-2349-8ABB-B8EFBC63DF91}"/>
               </a:ext>
             </a:extLst>
           </p:cNvPr>
@@ -9311,8 +9952,8 @@
         </p:nvSpPr>
         <p:spPr>
           <a:xfrm>
-            <a:off x="4307310" y="580768"/>
-            <a:ext cx="7571869" cy="2554545"/>
+            <a:off x="387069" y="387458"/>
+            <a:ext cx="7424077" cy="492443"/>
           </a:xfrm>
           <a:prstGeom prst="rect">
             <a:avLst/>
@@ -9325,698 +9966,19 @@
           </a:bodyPr>
           <a:lstStyle/>
           <a:p>
-            <a:r>
-              <a:rPr lang="en-GB" altLang="ko-GB" sz="2000" b="0" i="0" dirty="0">
-                <a:solidFill>
-                  <a:srgbClr val="D1D5DB"/>
-                </a:solidFill>
-                <a:effectLst/>
-                <a:latin typeface="Söhne"/>
-              </a:rPr>
-              <a:t>\x6A\x00 – push 0x00</a:t>
-            </a:r>
-          </a:p>
-          <a:p>
-            <a:r>
-              <a:rPr lang="en-GB" altLang="ko-GB" sz="2000" b="0" i="0" dirty="0">
-                <a:solidFill>
-                  <a:srgbClr val="D1D5DB"/>
-                </a:solidFill>
-                <a:effectLst/>
-                <a:latin typeface="Söhne"/>
-              </a:rPr>
-              <a:t>\x68\x66\x69\x6C\x65</a:t>
-            </a:r>
-            <a:r>
-              <a:rPr kumimoji="1" lang="en-US" altLang="ko-GB" sz="2000" b="0" i="0" dirty="0">
-                <a:solidFill>
-                  <a:srgbClr val="D1D5DB"/>
-                </a:solidFill>
-                <a:effectLst/>
-                <a:latin typeface="Söhne"/>
-              </a:rPr>
-              <a:t> </a:t>
-            </a:r>
-            <a:r>
-              <a:rPr kumimoji="1" lang="en-GB" altLang="ko-GB" sz="2000" b="0" i="0" dirty="0">
-                <a:solidFill>
-                  <a:srgbClr val="D1D5DB"/>
-                </a:solidFill>
-                <a:effectLst/>
-                <a:latin typeface="Söhne"/>
-              </a:rPr>
-              <a:t>-</a:t>
-            </a:r>
-            <a:r>
-              <a:rPr kumimoji="1" lang="en-US" altLang="ko-GB" sz="2000" b="0" i="0" dirty="0">
-                <a:solidFill>
-                  <a:srgbClr val="D1D5DB"/>
-                </a:solidFill>
-                <a:effectLst/>
-                <a:latin typeface="Söhne"/>
-              </a:rPr>
-              <a:t> </a:t>
-            </a:r>
-            <a:r>
-              <a:rPr lang="en-GB" altLang="ko-GB" sz="2000" b="0" i="0" dirty="0">
-                <a:solidFill>
-                  <a:srgbClr val="D1D5DB"/>
-                </a:solidFill>
-                <a:effectLst/>
-                <a:latin typeface="Söhne"/>
-              </a:rPr>
-              <a:t>Push the string 'file' onto the stack</a:t>
-            </a:r>
-          </a:p>
-          <a:p>
-            <a:r>
-              <a:rPr lang="en-GB" altLang="ko-GB" sz="2000" b="0" i="0" dirty="0">
-                <a:solidFill>
-                  <a:srgbClr val="ECECF1"/>
-                </a:solidFill>
-                <a:effectLst/>
-                <a:latin typeface="Söhne"/>
-              </a:rPr>
-              <a:t>\x89\xE2</a:t>
-            </a:r>
-            <a:r>
-              <a:rPr lang="ko-KR" altLang="en-US" sz="2000" b="0" i="0" dirty="0">
-                <a:solidFill>
-                  <a:srgbClr val="ECECF1"/>
-                </a:solidFill>
-                <a:effectLst/>
-                <a:latin typeface="Söhne"/>
-              </a:rPr>
-              <a:t> </a:t>
-            </a:r>
-            <a:r>
-              <a:rPr lang="en-US" altLang="ko-KR" sz="2000" b="0" i="0" dirty="0">
-                <a:solidFill>
-                  <a:srgbClr val="ECECF1"/>
-                </a:solidFill>
-                <a:effectLst/>
-                <a:latin typeface="Söhne"/>
-              </a:rPr>
-              <a:t>–</a:t>
-            </a:r>
-            <a:r>
-              <a:rPr lang="ko-KR" altLang="en-US" sz="2000" b="0" i="0" dirty="0">
-                <a:solidFill>
-                  <a:srgbClr val="ECECF1"/>
-                </a:solidFill>
-                <a:effectLst/>
-                <a:latin typeface="Söhne"/>
-              </a:rPr>
-              <a:t> </a:t>
-            </a:r>
-            <a:r>
-              <a:rPr lang="en-GB" altLang="ko-GB" sz="2000" b="0" i="0" dirty="0">
-                <a:solidFill>
-                  <a:srgbClr val="D1D5DB"/>
-                </a:solidFill>
-                <a:effectLst/>
-                <a:latin typeface="Söhne"/>
-              </a:rPr>
-              <a:t>Copy the value of the </a:t>
-            </a:r>
-            <a:r>
-              <a:rPr lang="en-US" altLang="ko-KR" sz="2000" dirty="0" err="1">
-                <a:solidFill>
-                  <a:srgbClr val="D1D5DB"/>
-                </a:solidFill>
-                <a:latin typeface="Söhne"/>
-              </a:rPr>
-              <a:t>esp</a:t>
-            </a:r>
-            <a:r>
-              <a:rPr lang="en-GB" altLang="ko-GB" sz="2000" b="0" i="0" dirty="0">
-                <a:solidFill>
-                  <a:srgbClr val="D1D5DB"/>
-                </a:solidFill>
-                <a:effectLst/>
-                <a:latin typeface="Söhne"/>
-              </a:rPr>
-              <a:t> register into the </a:t>
-            </a:r>
-            <a:r>
-              <a:rPr lang="en-US" altLang="ko-KR" sz="2000" b="0" i="0" dirty="0" err="1">
-                <a:solidFill>
-                  <a:srgbClr val="D1D5DB"/>
-                </a:solidFill>
-                <a:effectLst/>
-                <a:latin typeface="Söhne"/>
-              </a:rPr>
-              <a:t>edx</a:t>
-            </a:r>
-            <a:r>
-              <a:rPr lang="en-GB" altLang="ko-GB" sz="2000" b="0" i="0" dirty="0">
-                <a:solidFill>
-                  <a:srgbClr val="D1D5DB"/>
-                </a:solidFill>
-                <a:effectLst/>
-                <a:latin typeface="Söhne"/>
-              </a:rPr>
-              <a:t> register</a:t>
-            </a:r>
-            <a:endParaRPr lang="en-US" altLang="ko-KR" sz="2000" b="0" i="0" dirty="0">
-              <a:solidFill>
-                <a:srgbClr val="ECECF1"/>
-              </a:solidFill>
-              <a:effectLst/>
-              <a:latin typeface="Söhne"/>
-            </a:endParaRPr>
-          </a:p>
-          <a:p>
-            <a:r>
-              <a:rPr lang="en-GB" altLang="ko-GB" sz="2000" b="0" i="0" dirty="0">
-                <a:solidFill>
-                  <a:srgbClr val="ECECF1"/>
-                </a:solidFill>
-                <a:effectLst/>
-                <a:latin typeface="Söhne"/>
-              </a:rPr>
-              <a:t>\x68\xD0\x07\x00\x00</a:t>
-            </a:r>
-            <a:r>
-              <a:rPr lang="ko-KR" altLang="en-US" sz="2000" dirty="0">
-                <a:solidFill>
-                  <a:srgbClr val="ECECF1"/>
-                </a:solidFill>
-                <a:latin typeface="Söhne"/>
-              </a:rPr>
-              <a:t> </a:t>
-            </a:r>
-            <a:r>
-              <a:rPr lang="en-US" altLang="ko-KR" sz="2000" dirty="0">
-                <a:solidFill>
-                  <a:srgbClr val="ECECF1"/>
-                </a:solidFill>
-                <a:latin typeface="Söhne"/>
-              </a:rPr>
-              <a:t>–</a:t>
-            </a:r>
-            <a:r>
-              <a:rPr lang="ko-KR" altLang="en-US" sz="2000" dirty="0">
-                <a:solidFill>
-                  <a:srgbClr val="ECECF1"/>
-                </a:solidFill>
-                <a:latin typeface="Söhne"/>
-              </a:rPr>
-              <a:t>  </a:t>
-            </a:r>
-            <a:r>
-              <a:rPr lang="en-GB" altLang="ko-KR" sz="2000" dirty="0">
-                <a:solidFill>
-                  <a:srgbClr val="ECECF1"/>
-                </a:solidFill>
-                <a:latin typeface="Söhne"/>
-              </a:rPr>
-              <a:t>push 2000kb</a:t>
-            </a:r>
-            <a:endParaRPr lang="en-US" altLang="ko-KR" sz="2000" dirty="0">
-              <a:solidFill>
-                <a:srgbClr val="ECECF1"/>
-              </a:solidFill>
-              <a:latin typeface="Söhne"/>
-            </a:endParaRPr>
-          </a:p>
-          <a:p>
-            <a:r>
-              <a:rPr lang="en-GB" altLang="ko-GB" sz="2000" b="0" i="0" dirty="0">
-                <a:solidFill>
-                  <a:srgbClr val="ECECF1"/>
-                </a:solidFill>
-                <a:effectLst/>
-                <a:latin typeface="Söhne"/>
-              </a:rPr>
-              <a:t>\x52</a:t>
-            </a:r>
-            <a:r>
-              <a:rPr lang="ko-KR" altLang="en-US" sz="2000" b="0" i="0" dirty="0">
-                <a:solidFill>
-                  <a:srgbClr val="ECECF1"/>
-                </a:solidFill>
-                <a:effectLst/>
-                <a:latin typeface="Söhne"/>
-              </a:rPr>
-              <a:t> </a:t>
-            </a:r>
-            <a:r>
-              <a:rPr lang="en-US" altLang="ko-KR" sz="2000" b="0" i="0" dirty="0">
-                <a:solidFill>
-                  <a:srgbClr val="ECECF1"/>
-                </a:solidFill>
-                <a:effectLst/>
-                <a:latin typeface="Söhne"/>
-              </a:rPr>
-              <a:t>–</a:t>
-            </a:r>
-            <a:r>
-              <a:rPr lang="ko-KR" altLang="en-US" sz="2000" b="0" i="0" dirty="0">
-                <a:solidFill>
-                  <a:srgbClr val="ECECF1"/>
-                </a:solidFill>
-                <a:effectLst/>
-                <a:latin typeface="Söhne"/>
-              </a:rPr>
-              <a:t> </a:t>
-            </a:r>
-            <a:r>
-              <a:rPr lang="en-GB" altLang="ko-GB" sz="2000" b="0" i="0" dirty="0">
-                <a:solidFill>
-                  <a:srgbClr val="D1D5DB"/>
-                </a:solidFill>
-                <a:effectLst/>
-                <a:latin typeface="Söhne"/>
-              </a:rPr>
-              <a:t>Push the pointer pointing to the file name onto the stack</a:t>
-            </a:r>
-            <a:endParaRPr lang="en-US" altLang="ko-KR" sz="2000" b="0" i="0" dirty="0">
-              <a:solidFill>
-                <a:srgbClr val="ECECF1"/>
-              </a:solidFill>
-              <a:effectLst/>
-              <a:latin typeface="Söhne"/>
-            </a:endParaRPr>
-          </a:p>
-          <a:p>
-            <a:r>
-              <a:rPr lang="en-GB" altLang="ko-GB" sz="2000" b="0" i="0" dirty="0">
-                <a:solidFill>
-                  <a:srgbClr val="ECECF1"/>
-                </a:solidFill>
-                <a:effectLst/>
-                <a:latin typeface="Söhne"/>
-              </a:rPr>
-              <a:t>\x6A\x04</a:t>
-            </a:r>
-            <a:r>
-              <a:rPr lang="ko-KR" altLang="en-US" sz="2000" dirty="0">
-                <a:solidFill>
-                  <a:srgbClr val="ECECF1"/>
-                </a:solidFill>
-                <a:latin typeface="Söhne"/>
-              </a:rPr>
-              <a:t> </a:t>
-            </a:r>
-            <a:r>
-              <a:rPr lang="en-US" altLang="ko-KR" sz="2000" dirty="0">
-                <a:solidFill>
-                  <a:srgbClr val="ECECF1"/>
-                </a:solidFill>
-                <a:latin typeface="Söhne"/>
-              </a:rPr>
-              <a:t>–</a:t>
-            </a:r>
-            <a:r>
-              <a:rPr lang="ko-KR" altLang="en-US" sz="2000" dirty="0">
-                <a:solidFill>
-                  <a:srgbClr val="ECECF1"/>
-                </a:solidFill>
-                <a:latin typeface="Söhne"/>
-              </a:rPr>
-              <a:t> </a:t>
-            </a:r>
-            <a:r>
-              <a:rPr lang="en-GB" altLang="ko-GB" sz="2000" b="0" i="0" dirty="0">
-                <a:solidFill>
-                  <a:srgbClr val="D1D5DB"/>
-                </a:solidFill>
-                <a:effectLst/>
-                <a:latin typeface="Söhne"/>
-              </a:rPr>
-              <a:t>Push the system call number of </a:t>
-            </a:r>
-            <a:r>
-              <a:rPr lang="en-GB" altLang="ko-GB" sz="2000" b="0" i="0" dirty="0" err="1">
-                <a:solidFill>
-                  <a:srgbClr val="D1D5DB"/>
-                </a:solidFill>
-                <a:effectLst/>
-                <a:latin typeface="Söhne"/>
-              </a:rPr>
-              <a:t>sys_creat</a:t>
-            </a:r>
-            <a:r>
-              <a:rPr lang="en-GB" altLang="ko-GB" sz="2000" b="0" i="0" dirty="0">
-                <a:solidFill>
-                  <a:srgbClr val="D1D5DB"/>
-                </a:solidFill>
-                <a:effectLst/>
-                <a:latin typeface="Söhne"/>
-              </a:rPr>
-              <a:t>, which is 4, onto the stack</a:t>
-            </a:r>
-            <a:endParaRPr lang="en-US" altLang="ko-KR" sz="2000" dirty="0">
-              <a:solidFill>
-                <a:srgbClr val="ECECF1"/>
-              </a:solidFill>
-              <a:latin typeface="Söhne"/>
-            </a:endParaRPr>
-          </a:p>
-          <a:p>
-            <a:r>
-              <a:rPr lang="en-GB" altLang="ko-GB" sz="2000" b="0" i="0" dirty="0">
-                <a:solidFill>
-                  <a:srgbClr val="ECECF1"/>
-                </a:solidFill>
-                <a:effectLst/>
-                <a:latin typeface="Söhne"/>
-              </a:rPr>
-              <a:t>\</a:t>
-            </a:r>
-            <a:r>
-              <a:rPr lang="en-GB" altLang="ko-GB" sz="2000" b="0" i="0" dirty="0" err="1">
-                <a:solidFill>
-                  <a:srgbClr val="ECECF1"/>
-                </a:solidFill>
-                <a:effectLst/>
-                <a:latin typeface="Söhne"/>
-              </a:rPr>
-              <a:t>xCD</a:t>
-            </a:r>
-            <a:r>
-              <a:rPr lang="en-GB" altLang="ko-GB" sz="2000" b="0" i="0" dirty="0">
-                <a:solidFill>
-                  <a:srgbClr val="ECECF1"/>
-                </a:solidFill>
-                <a:effectLst/>
-                <a:latin typeface="Söhne"/>
-              </a:rPr>
-              <a:t>\x30</a:t>
-            </a:r>
-            <a:r>
-              <a:rPr lang="ko-KR" altLang="en-US" sz="2000" b="0" i="0" dirty="0">
-                <a:solidFill>
-                  <a:srgbClr val="ECECF1"/>
-                </a:solidFill>
-                <a:effectLst/>
-                <a:latin typeface="Söhne"/>
-              </a:rPr>
-              <a:t> </a:t>
-            </a:r>
-            <a:r>
-              <a:rPr lang="en-US" altLang="ko-KR" sz="2000" b="0" i="0" dirty="0">
-                <a:solidFill>
-                  <a:srgbClr val="ECECF1"/>
-                </a:solidFill>
-                <a:effectLst/>
-                <a:latin typeface="Söhne"/>
-              </a:rPr>
-              <a:t>-</a:t>
-            </a:r>
-            <a:r>
-              <a:rPr lang="ko-KR" altLang="en-US" sz="2000" b="0" i="0" dirty="0">
-                <a:solidFill>
-                  <a:srgbClr val="ECECF1"/>
-                </a:solidFill>
-                <a:effectLst/>
-                <a:latin typeface="Söhne"/>
-              </a:rPr>
-              <a:t> </a:t>
-            </a:r>
-            <a:r>
-              <a:rPr lang="en-GB" altLang="ko-GB" sz="2000" b="0" i="0" dirty="0">
-                <a:solidFill>
-                  <a:srgbClr val="D1D5DB"/>
-                </a:solidFill>
-                <a:effectLst/>
-                <a:latin typeface="Söhne"/>
-              </a:rPr>
-              <a:t>Trigger an</a:t>
-            </a:r>
-            <a:r>
-              <a:rPr lang="ko-KR" altLang="en-US" sz="2000" b="0" i="0" dirty="0">
-                <a:solidFill>
-                  <a:srgbClr val="D1D5DB"/>
-                </a:solidFill>
-                <a:effectLst/>
-                <a:latin typeface="Söhne"/>
-              </a:rPr>
-              <a:t> </a:t>
-            </a:r>
-            <a:r>
-              <a:rPr lang="en-US" altLang="ko-KR" sz="2000" b="0" i="0" dirty="0">
-                <a:solidFill>
-                  <a:srgbClr val="D1D5DB"/>
-                </a:solidFill>
-                <a:effectLst/>
-                <a:latin typeface="Söhne"/>
-              </a:rPr>
-              <a:t>0</a:t>
-            </a:r>
-            <a:r>
-              <a:rPr lang="en-GB" altLang="ko-KR" sz="2000" dirty="0">
-                <a:solidFill>
-                  <a:srgbClr val="D1D5DB"/>
-                </a:solidFill>
-                <a:latin typeface="Söhne"/>
-              </a:rPr>
-              <a:t>x30</a:t>
-            </a:r>
-            <a:r>
-              <a:rPr lang="en-GB" altLang="ko-GB" sz="2000" b="0" i="0" dirty="0">
-                <a:solidFill>
-                  <a:srgbClr val="D1D5DB"/>
-                </a:solidFill>
-                <a:effectLst/>
-                <a:latin typeface="Söhne"/>
-              </a:rPr>
-              <a:t> interrupt to perform the system call</a:t>
-            </a:r>
-            <a:endParaRPr kumimoji="1" lang="en-GB" altLang="ko-GB" sz="2000" dirty="0"/>
+            <a:pPr algn="ctr"/>
+            <a:r>
+              <a:rPr kumimoji="1" lang="en-GB" altLang="ko-GB" sz="2600" dirty="0"/>
+              <a:t>System call implementation</a:t>
+            </a:r>
+            <a:endParaRPr kumimoji="1" lang="ko-GB" altLang="en-US" sz="2600" dirty="0"/>
           </a:p>
         </p:txBody>
       </p:sp>
-      <p:grpSp>
-        <p:nvGrpSpPr>
-          <p:cNvPr id="13" name="그룹 12">
-            <a:extLst>
-              <a:ext uri="{FF2B5EF4-FFF2-40B4-BE49-F238E27FC236}">
-                <a16:creationId xmlns:a16="http://schemas.microsoft.com/office/drawing/2014/main" id="{1D5B7039-512B-1848-A505-4C5B74AEFDE3}"/>
-              </a:ext>
-            </a:extLst>
-          </p:cNvPr>
-          <p:cNvGrpSpPr/>
-          <p:nvPr/>
-        </p:nvGrpSpPr>
-        <p:grpSpPr>
-          <a:xfrm>
-            <a:off x="4942876" y="1341436"/>
-            <a:ext cx="135360" cy="709920"/>
-            <a:chOff x="4942876" y="1341436"/>
-            <a:chExt cx="135360" cy="709920"/>
-          </a:xfrm>
-        </p:grpSpPr>
-        <mc:AlternateContent xmlns:mc="http://schemas.openxmlformats.org/markup-compatibility/2006">
-          <mc:Choice xmlns:p14="http://schemas.microsoft.com/office/powerpoint/2010/main" Requires="p14">
-            <p:contentPart p14:bwMode="auto" r:id="rId3">
-              <p14:nvContentPartPr>
-                <p14:cNvPr id="7" name="잉크 6">
-                  <a:extLst>
-                    <a:ext uri="{FF2B5EF4-FFF2-40B4-BE49-F238E27FC236}">
-                      <a16:creationId xmlns:a16="http://schemas.microsoft.com/office/drawing/2014/main" id="{A8C244F7-0024-1144-B9DD-AA9D16F95199}"/>
-                    </a:ext>
-                  </a:extLst>
-                </p14:cNvPr>
-                <p14:cNvContentPartPr/>
-                <p14:nvPr/>
-              </p14:nvContentPartPr>
-              <p14:xfrm>
-                <a:off x="4990036" y="1397236"/>
-                <a:ext cx="88200" cy="343080"/>
-              </p14:xfrm>
-            </p:contentPart>
-          </mc:Choice>
-          <mc:Fallback>
-            <p:pic>
-              <p:nvPicPr>
-                <p:cNvPr id="7" name="잉크 6">
-                  <a:extLst>
-                    <a:ext uri="{FF2B5EF4-FFF2-40B4-BE49-F238E27FC236}">
-                      <a16:creationId xmlns:a16="http://schemas.microsoft.com/office/drawing/2014/main" id="{A8C244F7-0024-1144-B9DD-AA9D16F95199}"/>
-                    </a:ext>
-                  </a:extLst>
-                </p:cNvPr>
-                <p:cNvPicPr/>
-                <p:nvPr/>
-              </p:nvPicPr>
-              <p:blipFill>
-                <a:blip r:embed="rId4"/>
-                <a:stretch>
-                  <a:fillRect/>
-                </a:stretch>
-              </p:blipFill>
-              <p:spPr>
-                <a:xfrm>
-                  <a:off x="4981036" y="1388236"/>
-                  <a:ext cx="105840" cy="360720"/>
-                </a:xfrm>
-                <a:prstGeom prst="rect">
-                  <a:avLst/>
-                </a:prstGeom>
-              </p:spPr>
-            </p:pic>
-          </mc:Fallback>
-        </mc:AlternateContent>
-        <mc:AlternateContent xmlns:mc="http://schemas.openxmlformats.org/markup-compatibility/2006">
-          <mc:Choice xmlns:p14="http://schemas.microsoft.com/office/powerpoint/2010/main" Requires="p14">
-            <p:contentPart p14:bwMode="auto" r:id="rId5">
-              <p14:nvContentPartPr>
-                <p14:cNvPr id="8" name="잉크 7">
-                  <a:extLst>
-                    <a:ext uri="{FF2B5EF4-FFF2-40B4-BE49-F238E27FC236}">
-                      <a16:creationId xmlns:a16="http://schemas.microsoft.com/office/drawing/2014/main" id="{020C7117-D9B2-8145-AAF6-97CC2255AE0D}"/>
-                    </a:ext>
-                  </a:extLst>
-                </p14:cNvPr>
-                <p14:cNvContentPartPr/>
-                <p14:nvPr/>
-              </p14:nvContentPartPr>
-              <p14:xfrm>
-                <a:off x="4990036" y="1550596"/>
-                <a:ext cx="360" cy="360"/>
-              </p14:xfrm>
-            </p:contentPart>
-          </mc:Choice>
-          <mc:Fallback>
-            <p:pic>
-              <p:nvPicPr>
-                <p:cNvPr id="8" name="잉크 7">
-                  <a:extLst>
-                    <a:ext uri="{FF2B5EF4-FFF2-40B4-BE49-F238E27FC236}">
-                      <a16:creationId xmlns:a16="http://schemas.microsoft.com/office/drawing/2014/main" id="{020C7117-D9B2-8145-AAF6-97CC2255AE0D}"/>
-                    </a:ext>
-                  </a:extLst>
-                </p:cNvPr>
-                <p:cNvPicPr/>
-                <p:nvPr/>
-              </p:nvPicPr>
-              <p:blipFill>
-                <a:blip r:embed="rId6"/>
-                <a:stretch>
-                  <a:fillRect/>
-                </a:stretch>
-              </p:blipFill>
-              <p:spPr>
-                <a:xfrm>
-                  <a:off x="4981036" y="1541956"/>
-                  <a:ext cx="18000" cy="18000"/>
-                </a:xfrm>
-                <a:prstGeom prst="rect">
-                  <a:avLst/>
-                </a:prstGeom>
-              </p:spPr>
-            </p:pic>
-          </mc:Fallback>
-        </mc:AlternateContent>
-        <mc:AlternateContent xmlns:mc="http://schemas.openxmlformats.org/markup-compatibility/2006">
-          <mc:Choice xmlns:p14="http://schemas.microsoft.com/office/powerpoint/2010/main" Requires="p14">
-            <p:contentPart p14:bwMode="auto" r:id="rId7">
-              <p14:nvContentPartPr>
-                <p14:cNvPr id="10" name="잉크 9">
-                  <a:extLst>
-                    <a:ext uri="{FF2B5EF4-FFF2-40B4-BE49-F238E27FC236}">
-                      <a16:creationId xmlns:a16="http://schemas.microsoft.com/office/drawing/2014/main" id="{3C15CE13-D042-294E-8BFA-EE22662AE805}"/>
-                    </a:ext>
-                  </a:extLst>
-                </p14:cNvPr>
-                <p14:cNvContentPartPr/>
-                <p14:nvPr/>
-              </p14:nvContentPartPr>
-              <p14:xfrm>
-                <a:off x="4961956" y="1503076"/>
-                <a:ext cx="111600" cy="522000"/>
-              </p14:xfrm>
-            </p:contentPart>
-          </mc:Choice>
-          <mc:Fallback>
-            <p:pic>
-              <p:nvPicPr>
-                <p:cNvPr id="10" name="잉크 9">
-                  <a:extLst>
-                    <a:ext uri="{FF2B5EF4-FFF2-40B4-BE49-F238E27FC236}">
-                      <a16:creationId xmlns:a16="http://schemas.microsoft.com/office/drawing/2014/main" id="{3C15CE13-D042-294E-8BFA-EE22662AE805}"/>
-                    </a:ext>
-                  </a:extLst>
-                </p:cNvPr>
-                <p:cNvPicPr/>
-                <p:nvPr/>
-              </p:nvPicPr>
-              <p:blipFill>
-                <a:blip r:embed="rId8"/>
-                <a:stretch>
-                  <a:fillRect/>
-                </a:stretch>
-              </p:blipFill>
-              <p:spPr>
-                <a:xfrm>
-                  <a:off x="4952956" y="1494076"/>
-                  <a:ext cx="129240" cy="539640"/>
-                </a:xfrm>
-                <a:prstGeom prst="rect">
-                  <a:avLst/>
-                </a:prstGeom>
-              </p:spPr>
-            </p:pic>
-          </mc:Fallback>
-        </mc:AlternateContent>
-        <mc:AlternateContent xmlns:mc="http://schemas.openxmlformats.org/markup-compatibility/2006">
-          <mc:Choice xmlns:p14="http://schemas.microsoft.com/office/powerpoint/2010/main" Requires="p14">
-            <p:contentPart p14:bwMode="auto" r:id="rId9">
-              <p14:nvContentPartPr>
-                <p14:cNvPr id="11" name="잉크 10">
-                  <a:extLst>
-                    <a:ext uri="{FF2B5EF4-FFF2-40B4-BE49-F238E27FC236}">
-                      <a16:creationId xmlns:a16="http://schemas.microsoft.com/office/drawing/2014/main" id="{B727E5DF-C34A-2649-BE8E-44692FC2D303}"/>
-                    </a:ext>
-                  </a:extLst>
-                </p14:cNvPr>
-                <p14:cNvContentPartPr/>
-                <p14:nvPr/>
-              </p14:nvContentPartPr>
-              <p14:xfrm>
-                <a:off x="4942876" y="1341436"/>
-                <a:ext cx="124920" cy="709920"/>
-              </p14:xfrm>
-            </p:contentPart>
-          </mc:Choice>
-          <mc:Fallback>
-            <p:pic>
-              <p:nvPicPr>
-                <p:cNvPr id="11" name="잉크 10">
-                  <a:extLst>
-                    <a:ext uri="{FF2B5EF4-FFF2-40B4-BE49-F238E27FC236}">
-                      <a16:creationId xmlns:a16="http://schemas.microsoft.com/office/drawing/2014/main" id="{B727E5DF-C34A-2649-BE8E-44692FC2D303}"/>
-                    </a:ext>
-                  </a:extLst>
-                </p:cNvPr>
-                <p:cNvPicPr/>
-                <p:nvPr/>
-              </p:nvPicPr>
-              <p:blipFill>
-                <a:blip r:embed="rId10"/>
-                <a:stretch>
-                  <a:fillRect/>
-                </a:stretch>
-              </p:blipFill>
-              <p:spPr>
-                <a:xfrm>
-                  <a:off x="4933876" y="1332436"/>
-                  <a:ext cx="142560" cy="727560"/>
-                </a:xfrm>
-                <a:prstGeom prst="rect">
-                  <a:avLst/>
-                </a:prstGeom>
-              </p:spPr>
-            </p:pic>
-          </mc:Fallback>
-        </mc:AlternateContent>
-      </p:grpSp>
     </p:spTree>
     <p:extLst>
       <p:ext uri="{BB962C8B-B14F-4D97-AF65-F5344CB8AC3E}">
-        <p14:creationId xmlns:p14="http://schemas.microsoft.com/office/powerpoint/2010/main" val="1248659549"/>
+        <p14:creationId xmlns:p14="http://schemas.microsoft.com/office/powerpoint/2010/main" val="3353309139"/>
       </p:ext>
     </p:extLst>
   </p:cSld>
